--- a/MasterDetail/Master_Detail 2019.pptx
+++ b/MasterDetail/Master_Detail 2019.pptx
@@ -11,8 +11,9 @@
     <p:sldId id="643" r:id="rId5"/>
     <p:sldId id="639" r:id="rId6"/>
     <p:sldId id="642" r:id="rId7"/>
-    <p:sldId id="630" r:id="rId8"/>
-    <p:sldId id="637" r:id="rId9"/>
+    <p:sldId id="644" r:id="rId8"/>
+    <p:sldId id="630" r:id="rId9"/>
+    <p:sldId id="637" r:id="rId10"/>
   </p:sldIdLst>
   <p:sldSz cx="9144000" cy="6858000" type="screen4x3"/>
   <p:notesSz cx="6858000" cy="9144000"/>
@@ -3994,7 +3995,12 @@
             <p:ph type="body" idx="1"/>
           </p:nvPr>
         </p:nvSpPr>
-        <p:spPr/>
+        <p:spPr>
+          <a:xfrm>
+            <a:off x="467544" y="1268760"/>
+            <a:ext cx="8229600" cy="4530725"/>
+          </a:xfrm>
+        </p:spPr>
         <p:txBody>
           <a:bodyPr/>
           <a:lstStyle/>
@@ -4233,37 +4239,53 @@
             </a:r>
             <a:r>
               <a:rPr lang="zh-TW" altLang="en-US" dirty="0" smtClean="0"/>
-              <a:t>選擇的食品訂購網頁</a:t>
+              <a:t>選擇的食品訂購</a:t>
+            </a:r>
+            <a:r>
+              <a:rPr lang="zh-TW" altLang="en-US" dirty="0" smtClean="0"/>
+              <a:t>網頁</a:t>
             </a:r>
             <a:endParaRPr lang="en-US" altLang="zh-TW" dirty="0" smtClean="0"/>
           </a:p>
           <a:p>
             <a:pPr lvl="1"/>
+            <a:r>
+              <a:rPr lang="en-US" altLang="zh-TW" dirty="0" err="1" smtClean="0"/>
+              <a:t>uber</a:t>
+            </a:r>
+            <a:r>
+              <a:rPr lang="en-US" altLang="zh-TW" dirty="0" smtClean="0"/>
+              <a:t> eat</a:t>
+            </a:r>
+            <a:endParaRPr lang="en-US" altLang="zh-TW" dirty="0" smtClean="0"/>
+          </a:p>
+          <a:p>
+            <a:pPr lvl="2"/>
             <a:r>
               <a:rPr lang="en-US" altLang="zh-TW" dirty="0"/>
               <a:t>https://</a:t>
             </a:r>
             <a:r>
               <a:rPr lang="en-US" altLang="zh-TW" dirty="0" err="1"/>
-              <a:t>www.foodnetwork.com</a:t>
+              <a:t>www.ubereats.com</a:t>
             </a:r>
             <a:r>
               <a:rPr lang="en-US" altLang="zh-TW" dirty="0"/>
-              <a:t>/?</a:t>
+              <a:t>/</a:t>
             </a:r>
             <a:r>
               <a:rPr lang="en-US" altLang="zh-TW" dirty="0" err="1"/>
-              <a:t>omnisource</a:t>
+              <a:t>zh</a:t>
             </a:r>
             <a:r>
               <a:rPr lang="en-US" altLang="zh-TW" dirty="0"/>
-              <a:t>=</a:t>
-            </a:r>
-            <a:r>
-              <a:rPr lang="en-US" altLang="zh-TW" dirty="0" err="1"/>
-              <a:t>gid_asia</a:t>
-            </a:r>
-            <a:endParaRPr lang="zh-TW" altLang="en-US" dirty="0"/>
+              <a:t>-TW</a:t>
+            </a:r>
+            <a:r>
+              <a:rPr lang="en-US" altLang="zh-TW" dirty="0" smtClean="0"/>
+              <a:t>/</a:t>
+            </a:r>
+            <a:endParaRPr lang="en-US" altLang="zh-TW" dirty="0"/>
           </a:p>
         </p:txBody>
       </p:sp>
@@ -4486,9 +4508,25 @@
             </a:r>
             <a:r>
               <a:rPr lang="zh-TW" altLang="en-US" dirty="0" smtClean="0"/>
-              <a:t>檔案資料存取</a:t>
-            </a:r>
-            <a:endParaRPr lang="zh-TW" altLang="en-US" dirty="0"/>
+              <a:t>資料</a:t>
+            </a:r>
+            <a:r>
+              <a:rPr lang="zh-TW" altLang="en-US" dirty="0" smtClean="0"/>
+              <a:t>參照查詢</a:t>
+            </a:r>
+            <a:r>
+              <a:rPr lang="en-US" altLang="zh-TW" dirty="0" smtClean="0"/>
+              <a:t>(</a:t>
+            </a:r>
+            <a:r>
+              <a:rPr lang="zh-TW" altLang="en-US" dirty="0" smtClean="0"/>
+              <a:t>範例一</a:t>
+            </a:r>
+            <a:r>
+              <a:rPr lang="en-US" altLang="zh-TW" dirty="0" smtClean="0"/>
+              <a:t>)</a:t>
+            </a:r>
+            <a:endParaRPr lang="en-US" altLang="zh-TW" dirty="0"/>
           </a:p>
         </p:txBody>
       </p:sp>
@@ -4512,20 +4550,10 @@
           <a:bodyPr/>
           <a:lstStyle/>
           <a:p>
-            <a:r>
-              <a:rPr lang="zh-TW" altLang="en-US" dirty="0" smtClean="0"/>
-              <a:t>範例一</a:t>
-            </a:r>
+            <a:pPr lvl="1"/>
             <a:r>
               <a:rPr lang="en-US" altLang="zh-TW" dirty="0" smtClean="0"/>
-              <a:t>:</a:t>
-            </a:r>
-          </a:p>
-          <a:p>
-            <a:pPr lvl="1"/>
-            <a:r>
-              <a:rPr lang="en-US" altLang="zh-TW" dirty="0" smtClean="0"/>
-              <a:t>106 </a:t>
+              <a:t>107 </a:t>
             </a:r>
             <a:r>
               <a:rPr lang="zh-TW" altLang="en-US" dirty="0" smtClean="0"/>
@@ -4537,7 +4565,31 @@
             </a:r>
             <a:r>
               <a:rPr lang="zh-TW" altLang="en-US" dirty="0" smtClean="0"/>
-              <a:t>系同學名單</a:t>
+              <a:t>系同學</a:t>
+            </a:r>
+            <a:r>
+              <a:rPr lang="zh-TW" altLang="en-US" dirty="0" smtClean="0"/>
+              <a:t>名單</a:t>
+            </a:r>
+            <a:endParaRPr lang="en-US" altLang="zh-TW" dirty="0" smtClean="0"/>
+          </a:p>
+          <a:p>
+            <a:pPr lvl="2"/>
+            <a:r>
+              <a:rPr lang="zh-TW" altLang="en-US" dirty="0" smtClean="0"/>
+              <a:t>每個學系級會有一個唯一代碼，同學資料須包含所屬系級代碼，已表示同學所屬系級</a:t>
+            </a:r>
+            <a:endParaRPr lang="en-US" altLang="zh-TW" dirty="0" smtClean="0"/>
+          </a:p>
+          <a:p>
+            <a:pPr lvl="2"/>
+            <a:r>
+              <a:rPr lang="zh-TW" altLang="en-US" dirty="0"/>
+              <a:t>可</a:t>
+            </a:r>
+            <a:r>
+              <a:rPr lang="zh-TW" altLang="en-US" dirty="0" smtClean="0"/>
+              <a:t>由系級代碼，查到所屬系級所有的同學</a:t>
             </a:r>
             <a:endParaRPr lang="en-US" altLang="zh-TW" dirty="0" smtClean="0"/>
           </a:p>
@@ -4549,34 +4601,11 @@
             </a:r>
             <a:r>
               <a:rPr lang="zh-TW" altLang="en-US" dirty="0" smtClean="0"/>
-              <a:t>同學各學期修課列表</a:t>
-            </a:r>
-            <a:endParaRPr lang="en-US" altLang="zh-TW" dirty="0" smtClean="0"/>
-          </a:p>
-          <a:p>
-            <a:pPr lvl="1"/>
+              <a:t>同學修</a:t>
+            </a:r>
             <a:r>
               <a:rPr lang="zh-TW" altLang="en-US" dirty="0" smtClean="0"/>
-              <a:t>該同學某學期修課清單</a:t>
-            </a:r>
-            <a:endParaRPr lang="en-US" altLang="zh-TW" dirty="0" smtClean="0"/>
-          </a:p>
-          <a:p>
-            <a:r>
-              <a:rPr lang="zh-TW" altLang="en-US" dirty="0" smtClean="0"/>
-              <a:t>範例二</a:t>
-            </a:r>
-            <a:r>
-              <a:rPr lang="en-US" altLang="zh-TW" dirty="0" smtClean="0"/>
-              <a:t>:</a:t>
-            </a:r>
-            <a:endParaRPr lang="en-US" altLang="zh-TW" dirty="0"/>
-          </a:p>
-          <a:p>
-            <a:pPr lvl="1"/>
-            <a:r>
-              <a:rPr lang="zh-TW" altLang="en-US" dirty="0"/>
-              <a:t>照護中心住戶</a:t>
+              <a:t>課</a:t>
             </a:r>
             <a:r>
               <a:rPr lang="zh-TW" altLang="en-US" dirty="0" smtClean="0"/>
@@ -4585,37 +4614,10 @@
             <a:endParaRPr lang="en-US" altLang="zh-TW" dirty="0" smtClean="0"/>
           </a:p>
           <a:p>
-            <a:pPr lvl="1"/>
-            <a:r>
-              <a:rPr lang="zh-TW" altLang="en-US" dirty="0"/>
-              <a:t>住戶就醫</a:t>
-            </a:r>
+            <a:pPr lvl="2"/>
             <a:r>
               <a:rPr lang="zh-TW" altLang="en-US" dirty="0" smtClean="0"/>
-              <a:t>紀錄</a:t>
-            </a:r>
-            <a:endParaRPr lang="en-US" altLang="zh-TW" dirty="0" smtClean="0"/>
-          </a:p>
-          <a:p>
-            <a:pPr lvl="1"/>
-            <a:r>
-              <a:rPr lang="zh-TW" altLang="en-US" dirty="0"/>
-              <a:t>某次就醫所開立之藥物</a:t>
-            </a:r>
-            <a:r>
-              <a:rPr lang="zh-TW" altLang="en-US" dirty="0" smtClean="0"/>
-              <a:t>處方</a:t>
-            </a:r>
-            <a:endParaRPr lang="en-US" altLang="zh-TW" dirty="0" smtClean="0"/>
-          </a:p>
-          <a:p>
-            <a:r>
-              <a:rPr lang="zh-TW" altLang="en-US" dirty="0"/>
-              <a:t>上述範例可</a:t>
-            </a:r>
-            <a:r>
-              <a:rPr lang="zh-TW" altLang="en-US" dirty="0" smtClean="0"/>
-              <a:t>用檔案目錄或資料庫關聯資料表來達成</a:t>
+              <a:t>可由學號查同學修課清單</a:t>
             </a:r>
             <a:endParaRPr lang="en-US" altLang="zh-TW" dirty="0" smtClean="0"/>
           </a:p>
@@ -4653,152 +4655,246 @@
       </p:grpSpPr>
       <p:sp>
         <p:nvSpPr>
-          <p:cNvPr id="571394" name="Rectangle 2"/>
-          <p:cNvSpPr>
-            <a:spLocks noGrp="1" noChangeArrowheads="1"/>
+          <p:cNvPr id="2" name="標題 1"/>
+          <p:cNvSpPr>
+            <a:spLocks noGrp="1"/>
           </p:cNvSpPr>
           <p:nvPr>
             <p:ph type="title"/>
           </p:nvPr>
         </p:nvSpPr>
-        <p:spPr/>
+        <p:spPr>
+          <a:xfrm>
+            <a:off x="457200" y="277813"/>
+            <a:ext cx="8229600" cy="846931"/>
+          </a:xfrm>
+        </p:spPr>
         <p:txBody>
           <a:bodyPr/>
           <a:lstStyle/>
           <a:p>
             <a:pPr algn="ctr"/>
             <a:r>
+              <a:rPr lang="en-US" altLang="zh-TW" dirty="0" smtClean="0"/>
+              <a:t>IDs </a:t>
+            </a:r>
+            <a:r>
+              <a:rPr lang="zh-TW" altLang="en-US" dirty="0"/>
+              <a:t>資料</a:t>
+            </a:r>
+            <a:r>
+              <a:rPr lang="zh-TW" altLang="en-US" dirty="0" smtClean="0"/>
+              <a:t>參照</a:t>
+            </a:r>
+            <a:r>
+              <a:rPr lang="zh-TW" altLang="en-US" dirty="0"/>
+              <a:t>查詢</a:t>
+            </a:r>
+            <a:r>
+              <a:rPr lang="en-US" altLang="zh-TW" dirty="0" smtClean="0"/>
+              <a:t>(</a:t>
+            </a:r>
+            <a:r>
+              <a:rPr lang="zh-TW" altLang="en-US" dirty="0" smtClean="0"/>
+              <a:t>範例二</a:t>
+            </a:r>
+            <a:r>
+              <a:rPr lang="en-US" altLang="zh-TW" dirty="0" smtClean="0"/>
+              <a:t>)</a:t>
+            </a:r>
+            <a:endParaRPr lang="zh-TW" altLang="en-US" dirty="0"/>
+          </a:p>
+        </p:txBody>
+      </p:sp>
+      <p:sp>
+        <p:nvSpPr>
+          <p:cNvPr id="3" name="內容版面配置區 2"/>
+          <p:cNvSpPr>
+            <a:spLocks noGrp="1"/>
+          </p:cNvSpPr>
+          <p:nvPr>
+            <p:ph idx="1"/>
+          </p:nvPr>
+        </p:nvSpPr>
+        <p:spPr>
+          <a:xfrm>
+            <a:off x="467544" y="1556792"/>
+            <a:ext cx="8229600" cy="4530725"/>
+          </a:xfrm>
+        </p:spPr>
+        <p:txBody>
+          <a:bodyPr/>
+          <a:lstStyle/>
+          <a:p>
+            <a:r>
+              <a:rPr lang="zh-TW" altLang="en-US" dirty="0" smtClean="0"/>
+              <a:t>照</a:t>
+            </a:r>
+            <a:r>
+              <a:rPr lang="zh-TW" altLang="en-US" dirty="0"/>
+              <a:t>護中心住戶</a:t>
+            </a:r>
+            <a:r>
+              <a:rPr lang="zh-TW" altLang="en-US" dirty="0" smtClean="0"/>
+              <a:t>列表</a:t>
+            </a:r>
+            <a:endParaRPr lang="en-US" altLang="zh-TW" dirty="0" smtClean="0"/>
+          </a:p>
+          <a:p>
+            <a:pPr lvl="1"/>
+            <a:r>
+              <a:rPr lang="zh-TW" altLang="en-US" dirty="0"/>
+              <a:t>由</a:t>
+            </a:r>
+            <a:r>
+              <a:rPr lang="zh-TW" altLang="en-US" dirty="0" smtClean="0"/>
+              <a:t>機構</a:t>
+            </a:r>
+            <a:r>
+              <a:rPr lang="en-US" altLang="zh-TW" dirty="0" smtClean="0"/>
+              <a:t>(organization)</a:t>
+            </a:r>
+            <a:r>
+              <a:rPr lang="zh-TW" altLang="en-US" dirty="0" smtClean="0"/>
+              <a:t>代碼</a:t>
+            </a:r>
+            <a:r>
+              <a:rPr lang="zh-TW" altLang="en-US" dirty="0"/>
+              <a:t>查住戶清單</a:t>
+            </a:r>
+            <a:endParaRPr lang="en-US" altLang="zh-TW" dirty="0" smtClean="0"/>
+          </a:p>
+          <a:p>
+            <a:r>
+              <a:rPr lang="zh-TW" altLang="en-US" dirty="0"/>
+              <a:t>住戶就醫</a:t>
+            </a:r>
+            <a:r>
+              <a:rPr lang="zh-TW" altLang="en-US" dirty="0" smtClean="0"/>
+              <a:t>紀錄</a:t>
+            </a:r>
+            <a:endParaRPr lang="en-US" altLang="zh-TW" dirty="0" smtClean="0"/>
+          </a:p>
+          <a:p>
+            <a:pPr lvl="1"/>
+            <a:r>
+              <a:rPr lang="zh-TW" altLang="en-US" dirty="0"/>
+              <a:t>由</a:t>
+            </a:r>
+            <a:r>
+              <a:rPr lang="zh-TW" altLang="en-US" dirty="0" smtClean="0"/>
+              <a:t>住戶</a:t>
+            </a:r>
+            <a:r>
+              <a:rPr lang="zh-TW" altLang="en-US" dirty="0"/>
+              <a:t> </a:t>
+            </a:r>
+            <a:r>
+              <a:rPr lang="en-US" altLang="zh-TW" dirty="0" smtClean="0"/>
+              <a:t>ID(patient ID) </a:t>
+            </a:r>
+            <a:r>
+              <a:rPr lang="zh-TW" altLang="en-US" dirty="0" smtClean="0"/>
+              <a:t>查就醫紀錄</a:t>
+            </a:r>
+            <a:r>
+              <a:rPr lang="en-US" altLang="zh-TW" dirty="0" smtClean="0"/>
+              <a:t> </a:t>
+            </a:r>
+            <a:endParaRPr lang="en-US" altLang="zh-TW" dirty="0" smtClean="0"/>
+          </a:p>
+          <a:p>
+            <a:r>
+              <a:rPr lang="zh-TW" altLang="en-US" dirty="0"/>
+              <a:t>某次就醫所開立之藥物</a:t>
+            </a:r>
+            <a:r>
+              <a:rPr lang="zh-TW" altLang="en-US" dirty="0" smtClean="0"/>
+              <a:t>處方</a:t>
+            </a:r>
+            <a:endParaRPr lang="en-US" altLang="zh-TW" dirty="0" smtClean="0"/>
+          </a:p>
+          <a:p>
+            <a:pPr lvl="1"/>
+            <a:r>
+              <a:rPr lang="zh-TW" altLang="en-US" dirty="0"/>
+              <a:t>由就醫</a:t>
+            </a:r>
+            <a:r>
+              <a:rPr lang="zh-TW" altLang="en-US" dirty="0" smtClean="0"/>
+              <a:t>紀錄 </a:t>
+            </a:r>
+            <a:r>
+              <a:rPr lang="en-US" altLang="zh-TW" dirty="0" smtClean="0"/>
+              <a:t>ID(encounter ID) </a:t>
+            </a:r>
+            <a:r>
+              <a:rPr lang="zh-TW" altLang="en-US" dirty="0" smtClean="0"/>
+              <a:t>查開立的處方</a:t>
+            </a:r>
+            <a:r>
+              <a:rPr lang="en-US" altLang="zh-TW" dirty="0" smtClean="0"/>
+              <a:t>(medication request)</a:t>
+            </a:r>
+            <a:endParaRPr lang="en-US" altLang="zh-TW" dirty="0" smtClean="0"/>
+          </a:p>
+          <a:p>
+            <a:r>
+              <a:rPr lang="en-US" altLang="zh-TW" dirty="0" smtClean="0"/>
+              <a:t>Ref:</a:t>
+            </a:r>
+          </a:p>
+          <a:p>
+            <a:pPr lvl="1"/>
+            <a:r>
               <a:rPr lang="en-US" altLang="zh-TW" dirty="0"/>
-              <a:t>Master and Detail </a:t>
-            </a:r>
-            <a:r>
-              <a:rPr lang="zh-TW" altLang="en-US" dirty="0"/>
-              <a:t>資料呈現需求</a:t>
+              <a:t>http://</a:t>
+            </a:r>
+            <a:r>
+              <a:rPr lang="en-US" altLang="zh-TW" dirty="0" err="1"/>
+              <a:t>www.hl7.org</a:t>
             </a:r>
             <a:r>
               <a:rPr lang="en-US" altLang="zh-TW" dirty="0"/>
-              <a:t>(2)</a:t>
-            </a:r>
-            <a:endParaRPr lang="zh-TW" altLang="en-US" dirty="0"/>
-          </a:p>
-        </p:txBody>
-      </p:sp>
-      <p:sp>
-        <p:nvSpPr>
-          <p:cNvPr id="571395" name="Rectangle 3"/>
-          <p:cNvSpPr>
-            <a:spLocks noGrp="1" noChangeArrowheads="1"/>
-          </p:cNvSpPr>
-          <p:nvPr>
-            <p:ph type="body" idx="1"/>
-          </p:nvPr>
-        </p:nvSpPr>
-        <p:spPr/>
-        <p:txBody>
-          <a:bodyPr/>
-          <a:lstStyle/>
-          <a:p>
-            <a:r>
-              <a:rPr lang="zh-TW" altLang="en-US" sz="2600"/>
-              <a:t>資料庫當中包含兩個資料表</a:t>
-            </a:r>
-            <a:r>
-              <a:rPr lang="en-US" altLang="zh-TW" sz="2600"/>
-              <a:t>(Master table detail table)</a:t>
-            </a:r>
-            <a:r>
-              <a:rPr lang="zh-TW" altLang="en-US" sz="2600"/>
-              <a:t>， </a:t>
-            </a:r>
-            <a:r>
-              <a:rPr lang="en-US" altLang="zh-TW" sz="2600"/>
-              <a:t>detail table </a:t>
-            </a:r>
-            <a:r>
-              <a:rPr lang="zh-TW" altLang="en-US" sz="2600"/>
-              <a:t>包含一關聯鍵，連結至 </a:t>
-            </a:r>
-            <a:r>
-              <a:rPr lang="en-US" altLang="zh-TW" sz="2600"/>
-              <a:t>Master table</a:t>
-            </a:r>
-          </a:p>
-          <a:p>
-            <a:r>
-              <a:rPr kumimoji="0" lang="zh-TW" altLang="en-US" sz="2600"/>
-              <a:t>系統介面先呈現　</a:t>
-            </a:r>
-            <a:r>
-              <a:rPr kumimoji="0" lang="en-US" altLang="zh-TW" sz="2600"/>
-              <a:t>Master</a:t>
-            </a:r>
-            <a:r>
-              <a:rPr kumimoji="0" lang="zh-TW" altLang="en-US" sz="2600"/>
-              <a:t>　</a:t>
-            </a:r>
-            <a:r>
-              <a:rPr kumimoji="0" lang="en-US" altLang="zh-TW" sz="2600"/>
-              <a:t>table</a:t>
-            </a:r>
-            <a:r>
-              <a:rPr kumimoji="0" lang="zh-TW" altLang="en-US" sz="2600"/>
-              <a:t>　內容  ，當選擇某一筆資料後，以此筆資料的</a:t>
-            </a:r>
-            <a:r>
-              <a:rPr lang="zh-TW" altLang="en-US" sz="2600"/>
-              <a:t>鍵</a:t>
-            </a:r>
-            <a:r>
-              <a:rPr kumimoji="0" lang="zh-TW" altLang="en-US" sz="2600"/>
-              <a:t>值再查詢呈現　 </a:t>
-            </a:r>
-            <a:r>
-              <a:rPr lang="en-US" altLang="zh-TW" sz="2600"/>
-              <a:t>detail table </a:t>
-            </a:r>
-            <a:r>
-              <a:rPr lang="zh-TW" altLang="en-US" sz="2600"/>
-              <a:t>內容</a:t>
-            </a:r>
-          </a:p>
-          <a:p>
-            <a:r>
-              <a:rPr lang="zh-TW" altLang="en-US" sz="2600"/>
-              <a:t>Ｅ</a:t>
-            </a:r>
-            <a:r>
-              <a:rPr lang="en-US" altLang="zh-TW" sz="2600"/>
-              <a:t>xp:</a:t>
+              <a:t>/</a:t>
+            </a:r>
+            <a:r>
+              <a:rPr lang="en-US" altLang="zh-TW" dirty="0" err="1"/>
+              <a:t>FHIR</a:t>
+            </a:r>
+            <a:r>
+              <a:rPr lang="en-US" altLang="zh-TW" dirty="0" smtClean="0"/>
+              <a:t>/</a:t>
             </a:r>
           </a:p>
           <a:p>
             <a:pPr lvl="1"/>
             <a:r>
-              <a:rPr lang="zh-TW" altLang="en-US" sz="2200"/>
-              <a:t>從訂單資料表找到某張訂單，在列出此訂單包含的品項</a:t>
-            </a:r>
-          </a:p>
-          <a:p>
-            <a:pPr lvl="1"/>
-            <a:r>
-              <a:rPr lang="zh-TW" altLang="en-US" sz="2200"/>
-              <a:t>從電子相簿主題找到某一相簿，再列出此相簿所有相片</a:t>
-            </a:r>
+              <a:rPr lang="en-US" altLang="zh-TW" dirty="0"/>
+              <a:t>https://</a:t>
+            </a:r>
+            <a:r>
+              <a:rPr lang="en-US" altLang="zh-TW" dirty="0" err="1"/>
+              <a:t>fhirtest.uhn.ca</a:t>
+            </a:r>
+            <a:r>
+              <a:rPr lang="en-US" altLang="zh-TW" dirty="0" smtClean="0"/>
+              <a:t>/</a:t>
+            </a:r>
+            <a:endParaRPr lang="en-US" altLang="zh-TW" dirty="0"/>
           </a:p>
         </p:txBody>
       </p:sp>
     </p:spTree>
+    <p:extLst>
+      <p:ext uri="{BB962C8B-B14F-4D97-AF65-F5344CB8AC3E}">
+        <p14:creationId xmlns:p14="http://schemas.microsoft.com/office/powerpoint/2010/main" val="3346122567"/>
+      </p:ext>
+    </p:extLst>
   </p:cSld>
   <p:clrMapOvr>
     <a:masterClrMapping/>
   </p:clrMapOvr>
-  <p:timing>
-    <p:tnLst>
-      <p:par>
-        <p:cTn id="1" dur="indefinite" restart="never" nodeType="tmRoot"/>
-      </p:par>
-    </p:tnLst>
-  </p:timing>
 </p:sld>
 </file>
 
@@ -4821,6 +4917,174 @@
       </p:grpSpPr>
       <p:sp>
         <p:nvSpPr>
+          <p:cNvPr id="571394" name="Rectangle 2"/>
+          <p:cNvSpPr>
+            <a:spLocks noGrp="1" noChangeArrowheads="1"/>
+          </p:cNvSpPr>
+          <p:nvPr>
+            <p:ph type="title"/>
+          </p:nvPr>
+        </p:nvSpPr>
+        <p:spPr/>
+        <p:txBody>
+          <a:bodyPr/>
+          <a:lstStyle/>
+          <a:p>
+            <a:pPr algn="ctr"/>
+            <a:r>
+              <a:rPr lang="en-US" altLang="zh-TW" dirty="0"/>
+              <a:t>Master and Detail </a:t>
+            </a:r>
+            <a:r>
+              <a:rPr lang="zh-TW" altLang="en-US" dirty="0"/>
+              <a:t>資料呈現需求</a:t>
+            </a:r>
+            <a:r>
+              <a:rPr lang="en-US" altLang="zh-TW" dirty="0"/>
+              <a:t>(2)</a:t>
+            </a:r>
+            <a:endParaRPr lang="zh-TW" altLang="en-US" dirty="0"/>
+          </a:p>
+        </p:txBody>
+      </p:sp>
+      <p:sp>
+        <p:nvSpPr>
+          <p:cNvPr id="571395" name="Rectangle 3"/>
+          <p:cNvSpPr>
+            <a:spLocks noGrp="1" noChangeArrowheads="1"/>
+          </p:cNvSpPr>
+          <p:nvPr>
+            <p:ph type="body" idx="1"/>
+          </p:nvPr>
+        </p:nvSpPr>
+        <p:spPr/>
+        <p:txBody>
+          <a:bodyPr/>
+          <a:lstStyle/>
+          <a:p>
+            <a:r>
+              <a:rPr lang="zh-TW" altLang="en-US" sz="2600"/>
+              <a:t>資料庫當中包含兩個資料表</a:t>
+            </a:r>
+            <a:r>
+              <a:rPr lang="en-US" altLang="zh-TW" sz="2600"/>
+              <a:t>(Master table detail table)</a:t>
+            </a:r>
+            <a:r>
+              <a:rPr lang="zh-TW" altLang="en-US" sz="2600"/>
+              <a:t>， </a:t>
+            </a:r>
+            <a:r>
+              <a:rPr lang="en-US" altLang="zh-TW" sz="2600"/>
+              <a:t>detail table </a:t>
+            </a:r>
+            <a:r>
+              <a:rPr lang="zh-TW" altLang="en-US" sz="2600"/>
+              <a:t>包含一關聯鍵，連結至 </a:t>
+            </a:r>
+            <a:r>
+              <a:rPr lang="en-US" altLang="zh-TW" sz="2600"/>
+              <a:t>Master table</a:t>
+            </a:r>
+          </a:p>
+          <a:p>
+            <a:r>
+              <a:rPr kumimoji="0" lang="zh-TW" altLang="en-US" sz="2600"/>
+              <a:t>系統介面先呈現　</a:t>
+            </a:r>
+            <a:r>
+              <a:rPr kumimoji="0" lang="en-US" altLang="zh-TW" sz="2600"/>
+              <a:t>Master</a:t>
+            </a:r>
+            <a:r>
+              <a:rPr kumimoji="0" lang="zh-TW" altLang="en-US" sz="2600"/>
+              <a:t>　</a:t>
+            </a:r>
+            <a:r>
+              <a:rPr kumimoji="0" lang="en-US" altLang="zh-TW" sz="2600"/>
+              <a:t>table</a:t>
+            </a:r>
+            <a:r>
+              <a:rPr kumimoji="0" lang="zh-TW" altLang="en-US" sz="2600"/>
+              <a:t>　內容  ，當選擇某一筆資料後，以此筆資料的</a:t>
+            </a:r>
+            <a:r>
+              <a:rPr lang="zh-TW" altLang="en-US" sz="2600"/>
+              <a:t>鍵</a:t>
+            </a:r>
+            <a:r>
+              <a:rPr kumimoji="0" lang="zh-TW" altLang="en-US" sz="2600"/>
+              <a:t>值再查詢呈現　 </a:t>
+            </a:r>
+            <a:r>
+              <a:rPr lang="en-US" altLang="zh-TW" sz="2600"/>
+              <a:t>detail table </a:t>
+            </a:r>
+            <a:r>
+              <a:rPr lang="zh-TW" altLang="en-US" sz="2600"/>
+              <a:t>內容</a:t>
+            </a:r>
+          </a:p>
+          <a:p>
+            <a:r>
+              <a:rPr lang="zh-TW" altLang="en-US" sz="2600"/>
+              <a:t>Ｅ</a:t>
+            </a:r>
+            <a:r>
+              <a:rPr lang="en-US" altLang="zh-TW" sz="2600"/>
+              <a:t>xp:</a:t>
+            </a:r>
+          </a:p>
+          <a:p>
+            <a:pPr lvl="1"/>
+            <a:r>
+              <a:rPr lang="zh-TW" altLang="en-US" sz="2200"/>
+              <a:t>從訂單資料表找到某張訂單，在列出此訂單包含的品項</a:t>
+            </a:r>
+          </a:p>
+          <a:p>
+            <a:pPr lvl="1"/>
+            <a:r>
+              <a:rPr lang="zh-TW" altLang="en-US" sz="2200"/>
+              <a:t>從電子相簿主題找到某一相簿，再列出此相簿所有相片</a:t>
+            </a:r>
+          </a:p>
+        </p:txBody>
+      </p:sp>
+    </p:spTree>
+  </p:cSld>
+  <p:clrMapOvr>
+    <a:masterClrMapping/>
+  </p:clrMapOvr>
+  <p:timing>
+    <p:tnLst>
+      <p:par>
+        <p:cTn id="1" dur="indefinite" restart="never" nodeType="tmRoot"/>
+      </p:par>
+    </p:tnLst>
+  </p:timing>
+</p:sld>
+</file>
+
+<file path=ppt/slides/slide9.xml><?xml version="1.0" encoding="utf-8"?>
+<p:sld xmlns:a="http://schemas.openxmlformats.org/drawingml/2006/main" xmlns:r="http://schemas.openxmlformats.org/officeDocument/2006/relationships" xmlns:p="http://schemas.openxmlformats.org/presentationml/2006/main">
+  <p:cSld>
+    <p:spTree>
+      <p:nvGrpSpPr>
+        <p:cNvPr id="1" name=""/>
+        <p:cNvGrpSpPr/>
+        <p:nvPr/>
+      </p:nvGrpSpPr>
+      <p:grpSpPr>
+        <a:xfrm>
+          <a:off x="0" y="0"/>
+          <a:ext cx="0" cy="0"/>
+          <a:chOff x="0" y="0"/>
+          <a:chExt cx="0" cy="0"/>
+        </a:xfrm>
+      </p:grpSpPr>
+      <p:sp>
+        <p:nvSpPr>
           <p:cNvPr id="579586" name="Rectangle 2"/>
           <p:cNvSpPr>
             <a:spLocks noGrp="1" noChangeArrowheads="1"/>
@@ -4876,148 +5140,168 @@
           <a:lstStyle/>
           <a:p>
             <a:r>
-              <a:rPr lang="zh-TW" altLang="en-US" sz="2500"/>
+              <a:rPr lang="zh-TW" altLang="en-US" sz="2500" dirty="0"/>
               <a:t>設計</a:t>
             </a:r>
             <a:r>
-              <a:rPr lang="en-US" altLang="zh-TW" sz="2500"/>
+              <a:rPr lang="en-US" altLang="zh-TW" sz="2500" dirty="0"/>
               <a:t>master detail </a:t>
             </a:r>
             <a:r>
-              <a:rPr lang="zh-TW" altLang="en-US" sz="2500"/>
+              <a:rPr lang="zh-TW" altLang="en-US" sz="2500" dirty="0"/>
               <a:t>資料表</a:t>
             </a:r>
             <a:r>
-              <a:rPr lang="en-US" altLang="zh-TW" sz="2500"/>
+              <a:rPr lang="en-US" altLang="zh-TW" sz="2500" dirty="0"/>
               <a:t>: </a:t>
             </a:r>
             <a:r>
-              <a:rPr lang="zh-TW" altLang="en-US" sz="2500"/>
+              <a:rPr lang="zh-TW" altLang="en-US" sz="2500" dirty="0"/>
               <a:t>相簿主題資料表</a:t>
             </a:r>
             <a:r>
-              <a:rPr lang="en-US" altLang="zh-TW" sz="2500"/>
+              <a:rPr lang="en-US" altLang="zh-TW" sz="2500" dirty="0"/>
               <a:t>(Subject Table)</a:t>
             </a:r>
             <a:r>
-              <a:rPr lang="zh-TW" altLang="en-US" sz="2500"/>
+              <a:rPr lang="zh-TW" altLang="en-US" sz="2500" dirty="0"/>
               <a:t>及相簿檔案資料表</a:t>
             </a:r>
             <a:r>
-              <a:rPr lang="en-US" altLang="zh-TW" sz="2500"/>
-              <a:t>(PhotoFile Table) </a:t>
-            </a:r>
-            <a:endParaRPr lang="zh-TW" altLang="en-US" sz="2500"/>
+              <a:rPr lang="en-US" altLang="zh-TW" sz="2500" dirty="0"/>
+              <a:t>(</a:t>
+            </a:r>
+            <a:r>
+              <a:rPr lang="en-US" altLang="zh-TW" sz="2500" dirty="0" err="1"/>
+              <a:t>PhotoFile</a:t>
+            </a:r>
+            <a:r>
+              <a:rPr lang="en-US" altLang="zh-TW" sz="2500" dirty="0"/>
+              <a:t> Table) </a:t>
+            </a:r>
+            <a:endParaRPr lang="zh-TW" altLang="en-US" sz="2500" dirty="0"/>
           </a:p>
           <a:p>
             <a:pPr lvl="1"/>
             <a:r>
-              <a:rPr lang="zh-TW" altLang="en-US" sz="2100"/>
+              <a:rPr lang="zh-TW" altLang="en-US" sz="2100" dirty="0"/>
               <a:t>相簿主題資料表含　</a:t>
             </a:r>
             <a:r>
-              <a:rPr lang="en-US" altLang="zh-TW" sz="2100"/>
+              <a:rPr lang="en-US" altLang="zh-TW" sz="2100" dirty="0"/>
               <a:t>Subject</a:t>
             </a:r>
             <a:r>
-              <a:rPr lang="zh-TW" altLang="en-US" sz="2100"/>
+              <a:rPr lang="zh-TW" altLang="en-US" sz="2100" dirty="0"/>
               <a:t>、 </a:t>
             </a:r>
             <a:r>
-              <a:rPr lang="en-US" altLang="zh-TW" sz="2100"/>
+              <a:rPr lang="en-US" altLang="zh-TW" sz="2100" dirty="0" err="1"/>
               <a:t>SubjectID</a:t>
             </a:r>
             <a:r>
-              <a:rPr lang="zh-TW" altLang="en-US" sz="2100"/>
+              <a:rPr lang="zh-TW" altLang="en-US" sz="2100" dirty="0"/>
               <a:t>、 </a:t>
             </a:r>
             <a:r>
-              <a:rPr lang="en-US" altLang="zh-TW" sz="2100"/>
+              <a:rPr lang="en-US" altLang="zh-TW" sz="2100" dirty="0" err="1"/>
               <a:t>PhotoDirectory</a:t>
             </a:r>
             <a:r>
-              <a:rPr lang="zh-TW" altLang="en-US" sz="2100"/>
+              <a:rPr lang="zh-TW" altLang="en-US" sz="2100" dirty="0"/>
               <a:t> 等欄位</a:t>
             </a:r>
           </a:p>
           <a:p>
             <a:pPr lvl="1"/>
             <a:r>
-              <a:rPr lang="en-US" altLang="zh-TW" sz="2100"/>
-              <a:t>PhotoFile Table </a:t>
-            </a:r>
-            <a:r>
-              <a:rPr lang="zh-TW" altLang="en-US" sz="2100"/>
+              <a:rPr lang="en-US" altLang="zh-TW" sz="2100" dirty="0" err="1"/>
+              <a:t>PhotoFile</a:t>
+            </a:r>
+            <a:r>
+              <a:rPr lang="en-US" altLang="zh-TW" sz="2100" dirty="0"/>
+              <a:t> Table </a:t>
+            </a:r>
+            <a:r>
+              <a:rPr lang="zh-TW" altLang="en-US" sz="2100" dirty="0"/>
               <a:t>相簿檔案資料表含  </a:t>
             </a:r>
             <a:r>
-              <a:rPr lang="en-US" altLang="zh-TW" sz="2100"/>
+              <a:rPr lang="en-US" altLang="zh-TW" sz="2100" b="1" dirty="0" err="1">
+                <a:solidFill>
+                  <a:srgbClr val="FF0000"/>
+                </a:solidFill>
+              </a:rPr>
               <a:t>SubjectID</a:t>
             </a:r>
             <a:r>
-              <a:rPr lang="zh-TW" altLang="en-US" sz="2100"/>
+              <a:rPr lang="zh-TW" altLang="en-US" sz="2100" dirty="0"/>
               <a:t>、 </a:t>
             </a:r>
             <a:r>
-              <a:rPr lang="en-US" altLang="zh-TW" sz="2100"/>
+              <a:rPr lang="en-US" altLang="zh-TW" sz="2100" dirty="0" err="1"/>
               <a:t>PhotoFileName</a:t>
             </a:r>
             <a:r>
-              <a:rPr lang="zh-TW" altLang="en-US" sz="2100"/>
+              <a:rPr lang="zh-TW" altLang="en-US" sz="2100" dirty="0"/>
               <a:t> 等欄位</a:t>
             </a:r>
-            <a:endParaRPr lang="en-US" altLang="zh-TW" sz="2100"/>
-          </a:p>
-          <a:p>
-            <a:r>
-              <a:rPr lang="zh-TW" altLang="en-US" sz="2500"/>
+            <a:endParaRPr lang="en-US" altLang="zh-TW" sz="2100" dirty="0"/>
+          </a:p>
+          <a:p>
+            <a:r>
+              <a:rPr lang="zh-TW" altLang="en-US" sz="2500" dirty="0"/>
               <a:t>設計相簿圖片壓縮上傳程式，圖片上傳後依序在兩個資料表新增資料</a:t>
             </a:r>
           </a:p>
           <a:p>
             <a:pPr lvl="1"/>
             <a:r>
-              <a:rPr lang="zh-TW" altLang="en-US" sz="2100"/>
+              <a:rPr lang="zh-TW" altLang="en-US" sz="2100" dirty="0"/>
               <a:t>每次上傳， </a:t>
             </a:r>
             <a:r>
-              <a:rPr lang="en-US" altLang="zh-TW" sz="2100"/>
+              <a:rPr lang="en-US" altLang="zh-TW" sz="2100" dirty="0"/>
               <a:t>Subject Table</a:t>
             </a:r>
             <a:r>
-              <a:rPr lang="zh-TW" altLang="en-US" sz="2100"/>
+              <a:rPr lang="zh-TW" altLang="en-US" sz="2100" dirty="0"/>
               <a:t>將新增一筆資料， </a:t>
             </a:r>
             <a:r>
-              <a:rPr lang="en-US" altLang="zh-TW" sz="2100"/>
-              <a:t>PhotoFile Table</a:t>
-            </a:r>
-            <a:r>
-              <a:rPr lang="zh-TW" altLang="en-US" sz="2100"/>
+              <a:rPr lang="en-US" altLang="zh-TW" sz="2100" dirty="0" err="1"/>
+              <a:t>PhotoFile</a:t>
+            </a:r>
+            <a:r>
+              <a:rPr lang="en-US" altLang="zh-TW" sz="2100" dirty="0"/>
+              <a:t> Table</a:t>
+            </a:r>
+            <a:r>
+              <a:rPr lang="zh-TW" altLang="en-US" sz="2100" dirty="0"/>
               <a:t>　會將每張相片檔寫入一筆紀錄</a:t>
             </a:r>
           </a:p>
           <a:p>
             <a:r>
-              <a:rPr lang="zh-TW" altLang="en-US" sz="2500"/>
+              <a:rPr lang="zh-TW" altLang="en-US" sz="2500" dirty="0"/>
               <a:t>設計　</a:t>
             </a:r>
             <a:r>
-              <a:rPr lang="en-US" altLang="zh-TW" sz="2500"/>
+              <a:rPr lang="en-US" altLang="zh-TW" sz="2500" dirty="0"/>
               <a:t>Master detail </a:t>
             </a:r>
             <a:r>
-              <a:rPr lang="zh-TW" altLang="en-US" sz="2500"/>
+              <a:rPr lang="zh-TW" altLang="en-US" sz="2500" dirty="0"/>
               <a:t>資料檢視，由相簿主題列表選擇</a:t>
             </a:r>
             <a:r>
-              <a:rPr lang="zh-TW" altLang="en-US" sz="2600"/>
+              <a:rPr lang="zh-TW" altLang="en-US" sz="2600" dirty="0"/>
               <a:t>一個主題，列出此主題包含的相片</a:t>
             </a:r>
-            <a:endParaRPr kumimoji="0" lang="en-US" altLang="zh-TW" sz="2400"/>
-          </a:p>
-          <a:p>
-            <a:endParaRPr kumimoji="0" lang="zh-TW" altLang="en-US" sz="2400"/>
+            <a:endParaRPr kumimoji="0" lang="en-US" altLang="zh-TW" sz="2400" dirty="0"/>
+          </a:p>
+          <a:p>
+            <a:endParaRPr kumimoji="0" lang="zh-TW" altLang="en-US" sz="2400" dirty="0"/>
           </a:p>
         </p:txBody>
       </p:sp>

--- a/MasterDetail/Master_Detail 2019.pptx
+++ b/MasterDetail/Master_Detail 2019.pptx
@@ -8,12 +8,15 @@
     <p:sldId id="576" r:id="rId2"/>
     <p:sldId id="593" r:id="rId3"/>
     <p:sldId id="638" r:id="rId4"/>
-    <p:sldId id="643" r:id="rId5"/>
-    <p:sldId id="639" r:id="rId6"/>
-    <p:sldId id="642" r:id="rId7"/>
-    <p:sldId id="644" r:id="rId8"/>
-    <p:sldId id="630" r:id="rId9"/>
-    <p:sldId id="637" r:id="rId10"/>
+    <p:sldId id="645" r:id="rId5"/>
+    <p:sldId id="646" r:id="rId6"/>
+    <p:sldId id="647" r:id="rId7"/>
+    <p:sldId id="643" r:id="rId8"/>
+    <p:sldId id="639" r:id="rId9"/>
+    <p:sldId id="642" r:id="rId10"/>
+    <p:sldId id="644" r:id="rId11"/>
+    <p:sldId id="630" r:id="rId12"/>
+    <p:sldId id="637" r:id="rId13"/>
   </p:sldIdLst>
   <p:sldSz cx="9144000" cy="6858000" type="screen4x3"/>
   <p:notesSz cx="6858000" cy="9144000"/>
@@ -142,6 +145,22 @@
       </a:defRPr>
     </a:lvl9pPr>
   </p:defaultTextStyle>
+  <p:extLst>
+    <p:ext uri="{EFAFB233-063F-42B5-8137-9DF3F51BA10A}">
+      <p15:sldGuideLst xmlns:p15="http://schemas.microsoft.com/office/powerpoint/2012/main">
+        <p15:guide id="1" orient="horz" pos="2160">
+          <p15:clr>
+            <a:srgbClr val="A4A3A4"/>
+          </p15:clr>
+        </p15:guide>
+        <p15:guide id="2" pos="2880">
+          <p15:clr>
+            <a:srgbClr val="A4A3A4"/>
+          </p15:clr>
+        </p15:guide>
+      </p15:sldGuideLst>
+    </p:ext>
+  </p:extLst>
 </p:presentation>
 </file>
 
@@ -3771,6 +3790,688 @@
 </p:sld>
 </file>
 
+<file path=ppt/slides/slide10.xml><?xml version="1.0" encoding="utf-8"?>
+<p:sld xmlns:a="http://schemas.openxmlformats.org/drawingml/2006/main" xmlns:r="http://schemas.openxmlformats.org/officeDocument/2006/relationships" xmlns:p="http://schemas.openxmlformats.org/presentationml/2006/main">
+  <p:cSld>
+    <p:spTree>
+      <p:nvGrpSpPr>
+        <p:cNvPr id="1" name=""/>
+        <p:cNvGrpSpPr/>
+        <p:nvPr/>
+      </p:nvGrpSpPr>
+      <p:grpSpPr>
+        <a:xfrm>
+          <a:off x="0" y="0"/>
+          <a:ext cx="0" cy="0"/>
+          <a:chOff x="0" y="0"/>
+          <a:chExt cx="0" cy="0"/>
+        </a:xfrm>
+      </p:grpSpPr>
+      <p:sp>
+        <p:nvSpPr>
+          <p:cNvPr id="2" name="標題 1"/>
+          <p:cNvSpPr>
+            <a:spLocks noGrp="1"/>
+          </p:cNvSpPr>
+          <p:nvPr>
+            <p:ph type="title"/>
+          </p:nvPr>
+        </p:nvSpPr>
+        <p:spPr>
+          <a:xfrm>
+            <a:off x="457200" y="277813"/>
+            <a:ext cx="8229600" cy="846931"/>
+          </a:xfrm>
+        </p:spPr>
+        <p:txBody>
+          <a:bodyPr/>
+          <a:lstStyle/>
+          <a:p>
+            <a:pPr algn="ctr"/>
+            <a:r>
+              <a:rPr lang="en-US" altLang="zh-TW" dirty="0" smtClean="0"/>
+              <a:t>IDs </a:t>
+            </a:r>
+            <a:r>
+              <a:rPr lang="zh-TW" altLang="en-US" dirty="0"/>
+              <a:t>資料</a:t>
+            </a:r>
+            <a:r>
+              <a:rPr lang="zh-TW" altLang="en-US" dirty="0" smtClean="0"/>
+              <a:t>參照</a:t>
+            </a:r>
+            <a:r>
+              <a:rPr lang="zh-TW" altLang="en-US" dirty="0"/>
+              <a:t>查詢</a:t>
+            </a:r>
+            <a:r>
+              <a:rPr lang="en-US" altLang="zh-TW" dirty="0" smtClean="0"/>
+              <a:t>(</a:t>
+            </a:r>
+            <a:r>
+              <a:rPr lang="zh-TW" altLang="en-US" dirty="0" smtClean="0"/>
+              <a:t>範例二</a:t>
+            </a:r>
+            <a:r>
+              <a:rPr lang="en-US" altLang="zh-TW" dirty="0" smtClean="0"/>
+              <a:t>)</a:t>
+            </a:r>
+            <a:endParaRPr lang="zh-TW" altLang="en-US" dirty="0"/>
+          </a:p>
+        </p:txBody>
+      </p:sp>
+      <p:sp>
+        <p:nvSpPr>
+          <p:cNvPr id="3" name="內容版面配置區 2"/>
+          <p:cNvSpPr>
+            <a:spLocks noGrp="1"/>
+          </p:cNvSpPr>
+          <p:nvPr>
+            <p:ph idx="1"/>
+          </p:nvPr>
+        </p:nvSpPr>
+        <p:spPr>
+          <a:xfrm>
+            <a:off x="467544" y="1556792"/>
+            <a:ext cx="8229600" cy="4530725"/>
+          </a:xfrm>
+        </p:spPr>
+        <p:txBody>
+          <a:bodyPr/>
+          <a:lstStyle/>
+          <a:p>
+            <a:r>
+              <a:rPr lang="zh-TW" altLang="en-US" dirty="0" smtClean="0"/>
+              <a:t>照</a:t>
+            </a:r>
+            <a:r>
+              <a:rPr lang="zh-TW" altLang="en-US" dirty="0"/>
+              <a:t>護中心住戶</a:t>
+            </a:r>
+            <a:r>
+              <a:rPr lang="zh-TW" altLang="en-US" dirty="0" smtClean="0"/>
+              <a:t>列表</a:t>
+            </a:r>
+            <a:endParaRPr lang="en-US" altLang="zh-TW" dirty="0" smtClean="0"/>
+          </a:p>
+          <a:p>
+            <a:pPr lvl="1"/>
+            <a:r>
+              <a:rPr lang="zh-TW" altLang="en-US" dirty="0"/>
+              <a:t>由</a:t>
+            </a:r>
+            <a:r>
+              <a:rPr lang="zh-TW" altLang="en-US" dirty="0" smtClean="0"/>
+              <a:t>機構</a:t>
+            </a:r>
+            <a:r>
+              <a:rPr lang="en-US" altLang="zh-TW" dirty="0" smtClean="0"/>
+              <a:t>(organization)</a:t>
+            </a:r>
+            <a:r>
+              <a:rPr lang="zh-TW" altLang="en-US" dirty="0" smtClean="0"/>
+              <a:t>代碼</a:t>
+            </a:r>
+            <a:r>
+              <a:rPr lang="zh-TW" altLang="en-US" dirty="0"/>
+              <a:t>查住戶清單</a:t>
+            </a:r>
+            <a:endParaRPr lang="en-US" altLang="zh-TW" dirty="0" smtClean="0"/>
+          </a:p>
+          <a:p>
+            <a:r>
+              <a:rPr lang="zh-TW" altLang="en-US" dirty="0"/>
+              <a:t>住戶就醫</a:t>
+            </a:r>
+            <a:r>
+              <a:rPr lang="zh-TW" altLang="en-US" dirty="0" smtClean="0"/>
+              <a:t>紀錄</a:t>
+            </a:r>
+            <a:endParaRPr lang="en-US" altLang="zh-TW" dirty="0" smtClean="0"/>
+          </a:p>
+          <a:p>
+            <a:pPr lvl="1"/>
+            <a:r>
+              <a:rPr lang="zh-TW" altLang="en-US" dirty="0"/>
+              <a:t>由</a:t>
+            </a:r>
+            <a:r>
+              <a:rPr lang="zh-TW" altLang="en-US" dirty="0" smtClean="0"/>
+              <a:t>住戶</a:t>
+            </a:r>
+            <a:r>
+              <a:rPr lang="zh-TW" altLang="en-US" dirty="0"/>
+              <a:t> </a:t>
+            </a:r>
+            <a:r>
+              <a:rPr lang="en-US" altLang="zh-TW" dirty="0" smtClean="0"/>
+              <a:t>ID(patient ID) </a:t>
+            </a:r>
+            <a:r>
+              <a:rPr lang="zh-TW" altLang="en-US" dirty="0" smtClean="0"/>
+              <a:t>查就醫紀錄</a:t>
+            </a:r>
+            <a:r>
+              <a:rPr lang="en-US" altLang="zh-TW" dirty="0" smtClean="0"/>
+              <a:t> </a:t>
+            </a:r>
+          </a:p>
+          <a:p>
+            <a:r>
+              <a:rPr lang="zh-TW" altLang="en-US" dirty="0"/>
+              <a:t>某次就醫所開立之藥物</a:t>
+            </a:r>
+            <a:r>
+              <a:rPr lang="zh-TW" altLang="en-US" dirty="0" smtClean="0"/>
+              <a:t>處方</a:t>
+            </a:r>
+            <a:endParaRPr lang="en-US" altLang="zh-TW" dirty="0" smtClean="0"/>
+          </a:p>
+          <a:p>
+            <a:pPr lvl="1"/>
+            <a:r>
+              <a:rPr lang="zh-TW" altLang="en-US" dirty="0"/>
+              <a:t>由就醫</a:t>
+            </a:r>
+            <a:r>
+              <a:rPr lang="zh-TW" altLang="en-US" dirty="0" smtClean="0"/>
+              <a:t>紀錄 </a:t>
+            </a:r>
+            <a:r>
+              <a:rPr lang="en-US" altLang="zh-TW" dirty="0" smtClean="0"/>
+              <a:t>ID(encounter ID) </a:t>
+            </a:r>
+            <a:r>
+              <a:rPr lang="zh-TW" altLang="en-US" dirty="0" smtClean="0"/>
+              <a:t>查開立的處方</a:t>
+            </a:r>
+            <a:r>
+              <a:rPr lang="en-US" altLang="zh-TW" dirty="0" smtClean="0"/>
+              <a:t>(medication request)</a:t>
+            </a:r>
+          </a:p>
+          <a:p>
+            <a:r>
+              <a:rPr lang="en-US" altLang="zh-TW" dirty="0" smtClean="0"/>
+              <a:t>Ref:</a:t>
+            </a:r>
+          </a:p>
+          <a:p>
+            <a:pPr lvl="1"/>
+            <a:r>
+              <a:rPr lang="en-US" altLang="zh-TW" dirty="0"/>
+              <a:t>http://</a:t>
+            </a:r>
+            <a:r>
+              <a:rPr lang="en-US" altLang="zh-TW" dirty="0" err="1"/>
+              <a:t>www.hl7.org</a:t>
+            </a:r>
+            <a:r>
+              <a:rPr lang="en-US" altLang="zh-TW" dirty="0"/>
+              <a:t>/</a:t>
+            </a:r>
+            <a:r>
+              <a:rPr lang="en-US" altLang="zh-TW" dirty="0" err="1"/>
+              <a:t>FHIR</a:t>
+            </a:r>
+            <a:r>
+              <a:rPr lang="en-US" altLang="zh-TW" dirty="0" smtClean="0"/>
+              <a:t>/</a:t>
+            </a:r>
+          </a:p>
+          <a:p>
+            <a:pPr lvl="1"/>
+            <a:r>
+              <a:rPr lang="en-US" altLang="zh-TW" dirty="0"/>
+              <a:t>https://</a:t>
+            </a:r>
+            <a:r>
+              <a:rPr lang="en-US" altLang="zh-TW" dirty="0" err="1"/>
+              <a:t>fhirtest.uhn.ca</a:t>
+            </a:r>
+            <a:r>
+              <a:rPr lang="en-US" altLang="zh-TW" dirty="0" smtClean="0"/>
+              <a:t>/</a:t>
+            </a:r>
+            <a:endParaRPr lang="en-US" altLang="zh-TW" dirty="0"/>
+          </a:p>
+        </p:txBody>
+      </p:sp>
+    </p:spTree>
+    <p:extLst>
+      <p:ext uri="{BB962C8B-B14F-4D97-AF65-F5344CB8AC3E}">
+        <p14:creationId xmlns:p14="http://schemas.microsoft.com/office/powerpoint/2010/main" val="3346122567"/>
+      </p:ext>
+    </p:extLst>
+  </p:cSld>
+  <p:clrMapOvr>
+    <a:masterClrMapping/>
+  </p:clrMapOvr>
+</p:sld>
+</file>
+
+<file path=ppt/slides/slide11.xml><?xml version="1.0" encoding="utf-8"?>
+<p:sld xmlns:a="http://schemas.openxmlformats.org/drawingml/2006/main" xmlns:r="http://schemas.openxmlformats.org/officeDocument/2006/relationships" xmlns:p="http://schemas.openxmlformats.org/presentationml/2006/main">
+  <p:cSld>
+    <p:spTree>
+      <p:nvGrpSpPr>
+        <p:cNvPr id="1" name=""/>
+        <p:cNvGrpSpPr/>
+        <p:nvPr/>
+      </p:nvGrpSpPr>
+      <p:grpSpPr>
+        <a:xfrm>
+          <a:off x="0" y="0"/>
+          <a:ext cx="0" cy="0"/>
+          <a:chOff x="0" y="0"/>
+          <a:chExt cx="0" cy="0"/>
+        </a:xfrm>
+      </p:grpSpPr>
+      <p:sp>
+        <p:nvSpPr>
+          <p:cNvPr id="571394" name="Rectangle 2"/>
+          <p:cNvSpPr>
+            <a:spLocks noGrp="1" noChangeArrowheads="1"/>
+          </p:cNvSpPr>
+          <p:nvPr>
+            <p:ph type="title"/>
+          </p:nvPr>
+        </p:nvSpPr>
+        <p:spPr/>
+        <p:txBody>
+          <a:bodyPr/>
+          <a:lstStyle/>
+          <a:p>
+            <a:pPr algn="ctr"/>
+            <a:r>
+              <a:rPr lang="en-US" altLang="zh-TW" dirty="0"/>
+              <a:t>Master and Detail </a:t>
+            </a:r>
+            <a:r>
+              <a:rPr lang="zh-TW" altLang="en-US" dirty="0"/>
+              <a:t>資料呈現需求</a:t>
+            </a:r>
+            <a:r>
+              <a:rPr lang="en-US" altLang="zh-TW" dirty="0"/>
+              <a:t>(2)</a:t>
+            </a:r>
+            <a:endParaRPr lang="zh-TW" altLang="en-US" dirty="0"/>
+          </a:p>
+        </p:txBody>
+      </p:sp>
+      <p:sp>
+        <p:nvSpPr>
+          <p:cNvPr id="571395" name="Rectangle 3"/>
+          <p:cNvSpPr>
+            <a:spLocks noGrp="1" noChangeArrowheads="1"/>
+          </p:cNvSpPr>
+          <p:nvPr>
+            <p:ph type="body" idx="1"/>
+          </p:nvPr>
+        </p:nvSpPr>
+        <p:spPr/>
+        <p:txBody>
+          <a:bodyPr/>
+          <a:lstStyle/>
+          <a:p>
+            <a:r>
+              <a:rPr lang="zh-TW" altLang="en-US" sz="2600"/>
+              <a:t>資料庫當中包含兩個資料表</a:t>
+            </a:r>
+            <a:r>
+              <a:rPr lang="en-US" altLang="zh-TW" sz="2600"/>
+              <a:t>(Master table detail table)</a:t>
+            </a:r>
+            <a:r>
+              <a:rPr lang="zh-TW" altLang="en-US" sz="2600"/>
+              <a:t>， </a:t>
+            </a:r>
+            <a:r>
+              <a:rPr lang="en-US" altLang="zh-TW" sz="2600"/>
+              <a:t>detail table </a:t>
+            </a:r>
+            <a:r>
+              <a:rPr lang="zh-TW" altLang="en-US" sz="2600"/>
+              <a:t>包含一關聯鍵，連結至 </a:t>
+            </a:r>
+            <a:r>
+              <a:rPr lang="en-US" altLang="zh-TW" sz="2600"/>
+              <a:t>Master table</a:t>
+            </a:r>
+          </a:p>
+          <a:p>
+            <a:r>
+              <a:rPr kumimoji="0" lang="zh-TW" altLang="en-US" sz="2600"/>
+              <a:t>系統介面先呈現　</a:t>
+            </a:r>
+            <a:r>
+              <a:rPr kumimoji="0" lang="en-US" altLang="zh-TW" sz="2600"/>
+              <a:t>Master</a:t>
+            </a:r>
+            <a:r>
+              <a:rPr kumimoji="0" lang="zh-TW" altLang="en-US" sz="2600"/>
+              <a:t>　</a:t>
+            </a:r>
+            <a:r>
+              <a:rPr kumimoji="0" lang="en-US" altLang="zh-TW" sz="2600"/>
+              <a:t>table</a:t>
+            </a:r>
+            <a:r>
+              <a:rPr kumimoji="0" lang="zh-TW" altLang="en-US" sz="2600"/>
+              <a:t>　內容  ，當選擇某一筆資料後，以此筆資料的</a:t>
+            </a:r>
+            <a:r>
+              <a:rPr lang="zh-TW" altLang="en-US" sz="2600"/>
+              <a:t>鍵</a:t>
+            </a:r>
+            <a:r>
+              <a:rPr kumimoji="0" lang="zh-TW" altLang="en-US" sz="2600"/>
+              <a:t>值再查詢呈現　 </a:t>
+            </a:r>
+            <a:r>
+              <a:rPr lang="en-US" altLang="zh-TW" sz="2600"/>
+              <a:t>detail table </a:t>
+            </a:r>
+            <a:r>
+              <a:rPr lang="zh-TW" altLang="en-US" sz="2600"/>
+              <a:t>內容</a:t>
+            </a:r>
+          </a:p>
+          <a:p>
+            <a:r>
+              <a:rPr lang="zh-TW" altLang="en-US" sz="2600"/>
+              <a:t>Ｅ</a:t>
+            </a:r>
+            <a:r>
+              <a:rPr lang="en-US" altLang="zh-TW" sz="2600"/>
+              <a:t>xp:</a:t>
+            </a:r>
+          </a:p>
+          <a:p>
+            <a:pPr lvl="1"/>
+            <a:r>
+              <a:rPr lang="zh-TW" altLang="en-US" sz="2200"/>
+              <a:t>從訂單資料表找到某張訂單，在列出此訂單包含的品項</a:t>
+            </a:r>
+          </a:p>
+          <a:p>
+            <a:pPr lvl="1"/>
+            <a:r>
+              <a:rPr lang="zh-TW" altLang="en-US" sz="2200"/>
+              <a:t>從電子相簿主題找到某一相簿，再列出此相簿所有相片</a:t>
+            </a:r>
+          </a:p>
+        </p:txBody>
+      </p:sp>
+    </p:spTree>
+  </p:cSld>
+  <p:clrMapOvr>
+    <a:masterClrMapping/>
+  </p:clrMapOvr>
+  <p:timing>
+    <p:tnLst>
+      <p:par>
+        <p:cTn id="1" dur="indefinite" restart="never" nodeType="tmRoot"/>
+      </p:par>
+    </p:tnLst>
+  </p:timing>
+</p:sld>
+</file>
+
+<file path=ppt/slides/slide12.xml><?xml version="1.0" encoding="utf-8"?>
+<p:sld xmlns:a="http://schemas.openxmlformats.org/drawingml/2006/main" xmlns:r="http://schemas.openxmlformats.org/officeDocument/2006/relationships" xmlns:p="http://schemas.openxmlformats.org/presentationml/2006/main">
+  <p:cSld>
+    <p:spTree>
+      <p:nvGrpSpPr>
+        <p:cNvPr id="1" name=""/>
+        <p:cNvGrpSpPr/>
+        <p:nvPr/>
+      </p:nvGrpSpPr>
+      <p:grpSpPr>
+        <a:xfrm>
+          <a:off x="0" y="0"/>
+          <a:ext cx="0" cy="0"/>
+          <a:chOff x="0" y="0"/>
+          <a:chExt cx="0" cy="0"/>
+        </a:xfrm>
+      </p:grpSpPr>
+      <p:sp>
+        <p:nvSpPr>
+          <p:cNvPr id="579586" name="Rectangle 2"/>
+          <p:cNvSpPr>
+            <a:spLocks noGrp="1" noChangeArrowheads="1"/>
+          </p:cNvSpPr>
+          <p:nvPr>
+            <p:ph type="title"/>
+          </p:nvPr>
+        </p:nvSpPr>
+        <p:spPr/>
+        <p:txBody>
+          <a:bodyPr/>
+          <a:lstStyle/>
+          <a:p>
+            <a:pPr algn="ctr"/>
+            <a:r>
+              <a:rPr lang="zh-TW" altLang="en-US" sz="3600" dirty="0"/>
+              <a:t>設計</a:t>
+            </a:r>
+            <a:r>
+              <a:rPr lang="zh-TW" altLang="en-US" sz="3600" dirty="0" smtClean="0"/>
+              <a:t>範例</a:t>
+            </a:r>
+            <a:r>
+              <a:rPr lang="en-US" altLang="zh-TW" sz="3600" dirty="0" smtClean="0"/>
+              <a:t>:</a:t>
+            </a:r>
+            <a:r>
+              <a:rPr lang="zh-TW" altLang="en-US" sz="3600" dirty="0" smtClean="0"/>
+              <a:t>個人相簿管理</a:t>
+            </a:r>
+            <a:endParaRPr lang="zh-TW" altLang="en-US" sz="3600" dirty="0"/>
+          </a:p>
+        </p:txBody>
+      </p:sp>
+      <p:sp>
+        <p:nvSpPr>
+          <p:cNvPr id="579587" name="Rectangle 3"/>
+          <p:cNvSpPr>
+            <a:spLocks noGrp="1" noChangeArrowheads="1"/>
+          </p:cNvSpPr>
+          <p:nvPr>
+            <p:ph type="body" idx="1"/>
+          </p:nvPr>
+        </p:nvSpPr>
+        <p:spPr>
+          <a:xfrm>
+            <a:off x="457200" y="1341438"/>
+            <a:ext cx="8229600" cy="4789487"/>
+          </a:xfrm>
+        </p:spPr>
+        <p:txBody>
+          <a:bodyPr/>
+          <a:lstStyle/>
+          <a:p>
+            <a:r>
+              <a:rPr lang="zh-TW" altLang="en-US" sz="2500" dirty="0"/>
+              <a:t>設計</a:t>
+            </a:r>
+            <a:r>
+              <a:rPr lang="en-US" altLang="zh-TW" sz="2500" dirty="0"/>
+              <a:t>master detail </a:t>
+            </a:r>
+            <a:r>
+              <a:rPr lang="zh-TW" altLang="en-US" sz="2500" dirty="0"/>
+              <a:t>資料表</a:t>
+            </a:r>
+            <a:r>
+              <a:rPr lang="en-US" altLang="zh-TW" sz="2500" dirty="0"/>
+              <a:t>: </a:t>
+            </a:r>
+            <a:r>
+              <a:rPr lang="zh-TW" altLang="en-US" sz="2500" dirty="0"/>
+              <a:t>相簿主題資料表</a:t>
+            </a:r>
+            <a:r>
+              <a:rPr lang="en-US" altLang="zh-TW" sz="2500" dirty="0"/>
+              <a:t>(Subject Table)</a:t>
+            </a:r>
+            <a:r>
+              <a:rPr lang="zh-TW" altLang="en-US" sz="2500" dirty="0"/>
+              <a:t>及相簿檔案資料表</a:t>
+            </a:r>
+            <a:r>
+              <a:rPr lang="en-US" altLang="zh-TW" sz="2500" dirty="0"/>
+              <a:t>(</a:t>
+            </a:r>
+            <a:r>
+              <a:rPr lang="en-US" altLang="zh-TW" sz="2500" dirty="0" err="1"/>
+              <a:t>PhotoFile</a:t>
+            </a:r>
+            <a:r>
+              <a:rPr lang="en-US" altLang="zh-TW" sz="2500" dirty="0"/>
+              <a:t> Table) </a:t>
+            </a:r>
+            <a:endParaRPr lang="zh-TW" altLang="en-US" sz="2500" dirty="0"/>
+          </a:p>
+          <a:p>
+            <a:pPr lvl="1"/>
+            <a:r>
+              <a:rPr lang="zh-TW" altLang="en-US" sz="2100" dirty="0"/>
+              <a:t>相簿主題資料表含　</a:t>
+            </a:r>
+            <a:r>
+              <a:rPr lang="en-US" altLang="zh-TW" sz="2100" dirty="0"/>
+              <a:t>Subject</a:t>
+            </a:r>
+            <a:r>
+              <a:rPr lang="zh-TW" altLang="en-US" sz="2100" dirty="0"/>
+              <a:t>、 </a:t>
+            </a:r>
+            <a:r>
+              <a:rPr lang="en-US" altLang="zh-TW" sz="2100" dirty="0" err="1"/>
+              <a:t>SubjectID</a:t>
+            </a:r>
+            <a:r>
+              <a:rPr lang="zh-TW" altLang="en-US" sz="2100" dirty="0"/>
+              <a:t>、 </a:t>
+            </a:r>
+            <a:r>
+              <a:rPr lang="en-US" altLang="zh-TW" sz="2100" dirty="0" err="1"/>
+              <a:t>PhotoDirectory</a:t>
+            </a:r>
+            <a:r>
+              <a:rPr lang="zh-TW" altLang="en-US" sz="2100" dirty="0"/>
+              <a:t> 等欄位</a:t>
+            </a:r>
+          </a:p>
+          <a:p>
+            <a:pPr lvl="1"/>
+            <a:r>
+              <a:rPr lang="en-US" altLang="zh-TW" sz="2100" dirty="0" err="1"/>
+              <a:t>PhotoFile</a:t>
+            </a:r>
+            <a:r>
+              <a:rPr lang="en-US" altLang="zh-TW" sz="2100" dirty="0"/>
+              <a:t> Table </a:t>
+            </a:r>
+            <a:r>
+              <a:rPr lang="zh-TW" altLang="en-US" sz="2100" dirty="0"/>
+              <a:t>相簿檔案資料表含  </a:t>
+            </a:r>
+            <a:r>
+              <a:rPr lang="en-US" altLang="zh-TW" sz="2100" b="1" dirty="0" err="1">
+                <a:solidFill>
+                  <a:srgbClr val="FF0000"/>
+                </a:solidFill>
+              </a:rPr>
+              <a:t>SubjectID</a:t>
+            </a:r>
+            <a:r>
+              <a:rPr lang="zh-TW" altLang="en-US" sz="2100" dirty="0"/>
+              <a:t>、 </a:t>
+            </a:r>
+            <a:r>
+              <a:rPr lang="en-US" altLang="zh-TW" sz="2100" dirty="0" err="1"/>
+              <a:t>PhotoFileName</a:t>
+            </a:r>
+            <a:r>
+              <a:rPr lang="zh-TW" altLang="en-US" sz="2100" dirty="0"/>
+              <a:t> 等欄位</a:t>
+            </a:r>
+            <a:endParaRPr lang="en-US" altLang="zh-TW" sz="2100" dirty="0"/>
+          </a:p>
+          <a:p>
+            <a:r>
+              <a:rPr lang="zh-TW" altLang="en-US" sz="2500" dirty="0"/>
+              <a:t>設計相簿圖片壓縮上傳程式，圖片上傳後依序在兩個資料表新增資料</a:t>
+            </a:r>
+          </a:p>
+          <a:p>
+            <a:pPr lvl="1"/>
+            <a:r>
+              <a:rPr lang="zh-TW" altLang="en-US" sz="2100" dirty="0"/>
+              <a:t>每次上傳， </a:t>
+            </a:r>
+            <a:r>
+              <a:rPr lang="en-US" altLang="zh-TW" sz="2100" dirty="0"/>
+              <a:t>Subject Table</a:t>
+            </a:r>
+            <a:r>
+              <a:rPr lang="zh-TW" altLang="en-US" sz="2100" dirty="0"/>
+              <a:t>將新增一筆資料， </a:t>
+            </a:r>
+            <a:r>
+              <a:rPr lang="en-US" altLang="zh-TW" sz="2100" dirty="0" err="1"/>
+              <a:t>PhotoFile</a:t>
+            </a:r>
+            <a:r>
+              <a:rPr lang="en-US" altLang="zh-TW" sz="2100" dirty="0"/>
+              <a:t> Table</a:t>
+            </a:r>
+            <a:r>
+              <a:rPr lang="zh-TW" altLang="en-US" sz="2100" dirty="0"/>
+              <a:t>　會將每張相片檔寫入一筆紀錄</a:t>
+            </a:r>
+          </a:p>
+          <a:p>
+            <a:r>
+              <a:rPr lang="zh-TW" altLang="en-US" sz="2500" dirty="0"/>
+              <a:t>設計　</a:t>
+            </a:r>
+            <a:r>
+              <a:rPr lang="en-US" altLang="zh-TW" sz="2500" dirty="0"/>
+              <a:t>Master detail </a:t>
+            </a:r>
+            <a:r>
+              <a:rPr lang="zh-TW" altLang="en-US" sz="2500" dirty="0"/>
+              <a:t>資料檢視，由相簿主題列表選擇</a:t>
+            </a:r>
+            <a:r>
+              <a:rPr lang="zh-TW" altLang="en-US" sz="2600" dirty="0"/>
+              <a:t>一個主題，列出此主題包含的相片</a:t>
+            </a:r>
+            <a:endParaRPr kumimoji="0" lang="en-US" altLang="zh-TW" sz="2400" dirty="0"/>
+          </a:p>
+          <a:p>
+            <a:endParaRPr kumimoji="0" lang="zh-TW" altLang="en-US" sz="2400" dirty="0"/>
+          </a:p>
+        </p:txBody>
+      </p:sp>
+    </p:spTree>
+  </p:cSld>
+  <p:clrMapOvr>
+    <a:masterClrMapping/>
+  </p:clrMapOvr>
+  <p:timing>
+    <p:tnLst>
+      <p:par>
+        <p:cTn id="1" dur="indefinite" restart="never" nodeType="tmRoot"/>
+      </p:par>
+    </p:tnLst>
+  </p:timing>
+</p:sld>
+</file>
+
 <file path=ppt/slides/slide2.xml><?xml version="1.0" encoding="utf-8"?>
 <p:sld xmlns:a="http://schemas.openxmlformats.org/drawingml/2006/main" xmlns:r="http://schemas.openxmlformats.org/officeDocument/2006/relationships" xmlns:p="http://schemas.openxmlformats.org/presentationml/2006/main">
   <p:cSld>
@@ -4150,7 +4851,7 @@
           <a:p>
             <a:r>
               <a:rPr lang="zh-TW" altLang="en-US" dirty="0" smtClean="0"/>
-              <a:t>商品範例</a:t>
+              <a:t>病患狀況或生理資訊登錄應用情境</a:t>
             </a:r>
             <a:endParaRPr lang="zh-TW" altLang="en-US" dirty="0"/>
           </a:p>
@@ -4172,127 +4873,81 @@
           <a:lstStyle/>
           <a:p>
             <a:r>
+              <a:rPr lang="en-US" altLang="zh-TW" dirty="0" smtClean="0"/>
+              <a:t>Master :</a:t>
+            </a:r>
+            <a:r>
               <a:rPr lang="zh-TW" altLang="en-US" dirty="0" smtClean="0"/>
-              <a:t>餐廳列表</a:t>
-            </a:r>
+              <a:t>病患列表</a:t>
+            </a:r>
+            <a:endParaRPr lang="en-US" altLang="zh-TW" dirty="0" smtClean="0"/>
+          </a:p>
+          <a:p>
+            <a:pPr lvl="1"/>
+            <a:r>
+              <a:rPr lang="zh-TW" altLang="en-US" dirty="0" smtClean="0"/>
+              <a:t>看診</a:t>
+            </a:r>
+            <a:r>
+              <a:rPr lang="zh-TW" altLang="en-US" dirty="0"/>
+              <a:t>病患</a:t>
+            </a:r>
+            <a:r>
+              <a:rPr lang="zh-TW" altLang="en-US" dirty="0" smtClean="0"/>
+              <a:t>列表、病房病患列表</a:t>
+            </a:r>
+            <a:endParaRPr lang="en-US" altLang="zh-TW" dirty="0" smtClean="0"/>
+          </a:p>
+          <a:p>
+            <a:endParaRPr lang="en-US" altLang="zh-TW" dirty="0"/>
+          </a:p>
+          <a:p>
             <a:r>
               <a:rPr lang="en-US" altLang="zh-TW" dirty="0" smtClean="0"/>
-              <a:t>-</a:t>
+              <a:t>Detail </a:t>
             </a:r>
             <a:r>
               <a:rPr lang="zh-TW" altLang="en-US" dirty="0" smtClean="0"/>
-              <a:t>某餐廳的菜單</a:t>
+              <a:t>選擇病人，進入</a:t>
+            </a:r>
+            <a:r>
+              <a:rPr lang="en-US" altLang="zh-TW" dirty="0" smtClean="0"/>
+              <a:t>:</a:t>
+            </a:r>
+          </a:p>
+          <a:p>
+            <a:pPr lvl="1"/>
+            <a:r>
+              <a:rPr lang="zh-TW" altLang="en-US" dirty="0" smtClean="0"/>
+              <a:t>病人狀況登入網頁</a:t>
             </a:r>
             <a:endParaRPr lang="en-US" altLang="zh-TW" dirty="0" smtClean="0"/>
           </a:p>
           <a:p>
             <a:pPr lvl="1"/>
             <a:r>
-              <a:rPr lang="en-US" altLang="zh-TW" dirty="0" smtClean="0"/>
-              <a:t>https</a:t>
-            </a:r>
-            <a:r>
-              <a:rPr lang="en-US" altLang="zh-TW" dirty="0"/>
-              <a:t>://</a:t>
-            </a:r>
-            <a:r>
-              <a:rPr lang="en-US" altLang="zh-TW" dirty="0" err="1"/>
-              <a:t>www.foodnetwork.com</a:t>
-            </a:r>
-            <a:r>
-              <a:rPr lang="en-US" altLang="zh-TW" dirty="0"/>
-              <a:t>/?</a:t>
-            </a:r>
-            <a:r>
-              <a:rPr lang="en-US" altLang="zh-TW" dirty="0" err="1" smtClean="0"/>
-              <a:t>omnisource</a:t>
-            </a:r>
-            <a:r>
-              <a:rPr lang="en-US" altLang="zh-TW" dirty="0" smtClean="0"/>
-              <a:t>=</a:t>
-            </a:r>
-            <a:r>
-              <a:rPr lang="en-US" altLang="zh-TW" dirty="0" err="1" smtClean="0"/>
-              <a:t>gid_asia</a:t>
+              <a:rPr lang="zh-TW" altLang="en-US" dirty="0" smtClean="0"/>
+              <a:t>病人生理資訊登入網頁</a:t>
             </a:r>
             <a:endParaRPr lang="en-US" altLang="zh-TW" dirty="0" smtClean="0"/>
           </a:p>
           <a:p>
-            <a:endParaRPr lang="en-US" altLang="zh-TW" dirty="0"/>
-          </a:p>
-          <a:p>
+            <a:pPr lvl="1"/>
             <a:r>
               <a:rPr lang="zh-TW" altLang="en-US" dirty="0" smtClean="0"/>
-              <a:t>某地區所有的食品外賣店列表</a:t>
-            </a:r>
-            <a:r>
-              <a:rPr lang="en-US" altLang="zh-TW" dirty="0" smtClean="0"/>
-              <a:t>-</a:t>
-            </a:r>
-            <a:r>
-              <a:rPr lang="zh-TW" altLang="en-US" dirty="0" smtClean="0"/>
-              <a:t>某外賣店食品列表</a:t>
-            </a:r>
-            <a:r>
-              <a:rPr lang="en-US" altLang="zh-TW" dirty="0" smtClean="0"/>
-              <a:t>-</a:t>
-            </a:r>
-            <a:r>
-              <a:rPr lang="zh-TW" altLang="en-US" dirty="0" smtClean="0"/>
-              <a:t>選擇的食品訂購</a:t>
-            </a:r>
-            <a:r>
-              <a:rPr lang="zh-TW" altLang="en-US" dirty="0" smtClean="0"/>
-              <a:t>網頁</a:t>
+              <a:t>病人目前狀況或量測資訊網頁</a:t>
             </a:r>
             <a:endParaRPr lang="en-US" altLang="zh-TW" dirty="0" smtClean="0"/>
           </a:p>
           <a:p>
-            <a:pPr lvl="1"/>
-            <a:r>
-              <a:rPr lang="en-US" altLang="zh-TW" dirty="0" err="1" smtClean="0"/>
-              <a:t>uber</a:t>
-            </a:r>
-            <a:r>
-              <a:rPr lang="en-US" altLang="zh-TW" dirty="0" smtClean="0"/>
-              <a:t> eat</a:t>
-            </a:r>
-            <a:endParaRPr lang="en-US" altLang="zh-TW" dirty="0" smtClean="0"/>
-          </a:p>
-          <a:p>
-            <a:pPr lvl="2"/>
-            <a:r>
-              <a:rPr lang="en-US" altLang="zh-TW" dirty="0"/>
-              <a:t>https://</a:t>
-            </a:r>
-            <a:r>
-              <a:rPr lang="en-US" altLang="zh-TW" dirty="0" err="1"/>
-              <a:t>www.ubereats.com</a:t>
-            </a:r>
-            <a:r>
-              <a:rPr lang="en-US" altLang="zh-TW" dirty="0"/>
-              <a:t>/</a:t>
-            </a:r>
-            <a:r>
-              <a:rPr lang="en-US" altLang="zh-TW" dirty="0" err="1"/>
-              <a:t>zh</a:t>
-            </a:r>
-            <a:r>
-              <a:rPr lang="en-US" altLang="zh-TW" dirty="0"/>
-              <a:t>-TW</a:t>
-            </a:r>
-            <a:r>
-              <a:rPr lang="en-US" altLang="zh-TW" dirty="0" smtClean="0"/>
-              <a:t>/</a:t>
-            </a:r>
-            <a:endParaRPr lang="en-US" altLang="zh-TW" dirty="0"/>
+            <a:endParaRPr lang="zh-TW" altLang="en-US" dirty="0"/>
           </a:p>
         </p:txBody>
       </p:sp>
     </p:spTree>
     <p:extLst>
       <p:ext uri="{BB962C8B-B14F-4D97-AF65-F5344CB8AC3E}">
-        <p14:creationId xmlns:p14="http://schemas.microsoft.com/office/powerpoint/2010/main" val="3453476989"/>
+        <p14:creationId xmlns:p14="http://schemas.microsoft.com/office/powerpoint/2010/main" val="85094744"/>
       </p:ext>
     </p:extLst>
   </p:cSld>
@@ -4329,19 +4984,20 @@
             <p:ph type="title"/>
           </p:nvPr>
         </p:nvSpPr>
-        <p:spPr/>
+        <p:spPr>
+          <a:xfrm>
+            <a:off x="457200" y="332656"/>
+            <a:ext cx="8229600" cy="1139825"/>
+          </a:xfrm>
+        </p:spPr>
         <p:txBody>
           <a:bodyPr/>
           <a:lstStyle/>
           <a:p>
             <a:pPr algn="ctr"/>
             <a:r>
-              <a:rPr lang="en-US" altLang="zh-TW" dirty="0" smtClean="0"/>
-              <a:t>IDs </a:t>
-            </a:r>
-            <a:r>
               <a:rPr lang="zh-TW" altLang="en-US" dirty="0" smtClean="0"/>
-              <a:t>概念說明</a:t>
+              <a:t>病患列表網頁</a:t>
             </a:r>
             <a:endParaRPr lang="zh-TW" altLang="en-US" dirty="0"/>
           </a:p>
@@ -4357,109 +5013,52 @@
             <p:ph idx="1"/>
           </p:nvPr>
         </p:nvSpPr>
-        <p:spPr/>
+        <p:spPr>
+          <a:xfrm>
+            <a:off x="457200" y="5517232"/>
+            <a:ext cx="8229600" cy="613693"/>
+          </a:xfrm>
+        </p:spPr>
         <p:txBody>
           <a:bodyPr/>
           <a:lstStyle/>
           <a:p>
             <a:r>
               <a:rPr lang="zh-TW" altLang="en-US" dirty="0" smtClean="0"/>
-              <a:t>每一筆資料皆須有一唯一編碼</a:t>
-            </a:r>
-            <a:endParaRPr lang="en-US" altLang="zh-TW" dirty="0" smtClean="0"/>
-          </a:p>
-          <a:p>
-            <a:pPr lvl="1"/>
-            <a:r>
-              <a:rPr lang="zh-TW" altLang="en-US" dirty="0"/>
-              <a:t>以利</a:t>
-            </a:r>
-            <a:r>
-              <a:rPr lang="zh-TW" altLang="en-US" dirty="0" smtClean="0"/>
-              <a:t>程式及資料庫處理</a:t>
-            </a:r>
-            <a:endParaRPr lang="en-US" altLang="zh-TW" dirty="0" smtClean="0"/>
-          </a:p>
-          <a:p>
-            <a:pPr lvl="1"/>
-            <a:r>
-              <a:rPr lang="zh-TW" altLang="en-US" dirty="0"/>
-              <a:t>例如</a:t>
-            </a:r>
-            <a:endParaRPr lang="en-US" altLang="zh-TW" dirty="0" smtClean="0"/>
-          </a:p>
-          <a:p>
-            <a:pPr lvl="2"/>
-            <a:r>
-              <a:rPr lang="zh-TW" altLang="en-US" dirty="0" smtClean="0"/>
-              <a:t>病人病歷號 </a:t>
-            </a:r>
-            <a:r>
-              <a:rPr lang="en-US" altLang="zh-TW" dirty="0" smtClean="0"/>
-              <a:t>patient</a:t>
-            </a:r>
-          </a:p>
-          <a:p>
-            <a:pPr lvl="2"/>
-            <a:r>
-              <a:rPr lang="zh-TW" altLang="en-US" dirty="0" smtClean="0"/>
-              <a:t>產品序號 </a:t>
-            </a:r>
-            <a:r>
-              <a:rPr lang="en-US" altLang="zh-TW" dirty="0" smtClean="0"/>
-              <a:t>serial number</a:t>
-            </a:r>
-          </a:p>
-          <a:p>
-            <a:pPr lvl="2"/>
-            <a:r>
-              <a:rPr lang="zh-TW" altLang="en-US" dirty="0"/>
-              <a:t>訂單</a:t>
-            </a:r>
-            <a:r>
-              <a:rPr lang="zh-TW" altLang="en-US" dirty="0" smtClean="0"/>
-              <a:t>號碼</a:t>
-            </a:r>
-            <a:endParaRPr lang="en-US" altLang="zh-TW" dirty="0" smtClean="0"/>
-          </a:p>
-          <a:p>
-            <a:pPr lvl="2"/>
-            <a:r>
-              <a:rPr lang="zh-TW" altLang="en-US" dirty="0"/>
-              <a:t>學</a:t>
-            </a:r>
-            <a:r>
-              <a:rPr lang="zh-TW" altLang="en-US" dirty="0" smtClean="0"/>
-              <a:t>號</a:t>
-            </a:r>
-            <a:endParaRPr lang="en-US" altLang="zh-TW" dirty="0" smtClean="0"/>
-          </a:p>
-          <a:p>
-            <a:pPr lvl="2"/>
-            <a:r>
-              <a:rPr lang="zh-TW" altLang="en-US" dirty="0"/>
-              <a:t>課</a:t>
-            </a:r>
-            <a:r>
-              <a:rPr lang="zh-TW" altLang="en-US" dirty="0" smtClean="0"/>
-              <a:t>號</a:t>
-            </a:r>
-            <a:endParaRPr lang="en-US" altLang="zh-TW" dirty="0"/>
-          </a:p>
-          <a:p>
-            <a:pPr lvl="2"/>
-            <a:r>
-              <a:rPr lang="en-US" altLang="zh-TW" dirty="0" smtClean="0"/>
-              <a:t>....</a:t>
+              <a:t>選擇病人</a:t>
             </a:r>
             <a:endParaRPr lang="zh-TW" altLang="en-US" dirty="0"/>
           </a:p>
         </p:txBody>
       </p:sp>
+      <p:pic>
+        <p:nvPicPr>
+          <p:cNvPr id="4" name="圖片 3"/>
+          <p:cNvPicPr>
+            <a:picLocks noChangeAspect="1"/>
+          </p:cNvPicPr>
+          <p:nvPr/>
+        </p:nvPicPr>
+        <p:blipFill>
+          <a:blip r:embed="rId2"/>
+          <a:stretch>
+            <a:fillRect/>
+          </a:stretch>
+        </p:blipFill>
+        <p:spPr>
+          <a:xfrm>
+            <a:off x="214024" y="1202323"/>
+            <a:ext cx="8715952" cy="4324350"/>
+          </a:xfrm>
+          <a:prstGeom prst="rect">
+            <a:avLst/>
+          </a:prstGeom>
+        </p:spPr>
+      </p:pic>
     </p:spTree>
     <p:extLst>
       <p:ext uri="{BB962C8B-B14F-4D97-AF65-F5344CB8AC3E}">
-        <p14:creationId xmlns:p14="http://schemas.microsoft.com/office/powerpoint/2010/main" val="1887345081"/>
+        <p14:creationId xmlns:p14="http://schemas.microsoft.com/office/powerpoint/2010/main" val="3352173941"/>
       </p:ext>
     </p:extLst>
   </p:cSld>
@@ -4496,137 +5095,53 @@
             <p:ph type="title"/>
           </p:nvPr>
         </p:nvSpPr>
-        <p:spPr/>
-        <p:txBody>
-          <a:bodyPr/>
-          <a:lstStyle/>
-          <a:p>
-            <a:pPr algn="ctr"/>
-            <a:r>
-              <a:rPr lang="en-US" altLang="zh-TW" dirty="0" smtClean="0"/>
-              <a:t>IDs </a:t>
-            </a:r>
-            <a:r>
-              <a:rPr lang="zh-TW" altLang="en-US" dirty="0" smtClean="0"/>
-              <a:t>資料</a:t>
-            </a:r>
-            <a:r>
-              <a:rPr lang="zh-TW" altLang="en-US" dirty="0" smtClean="0"/>
-              <a:t>參照查詢</a:t>
-            </a:r>
-            <a:r>
-              <a:rPr lang="en-US" altLang="zh-TW" dirty="0" smtClean="0"/>
-              <a:t>(</a:t>
-            </a:r>
-            <a:r>
-              <a:rPr lang="zh-TW" altLang="en-US" dirty="0" smtClean="0"/>
-              <a:t>範例一</a:t>
-            </a:r>
-            <a:r>
-              <a:rPr lang="en-US" altLang="zh-TW" dirty="0" smtClean="0"/>
-              <a:t>)</a:t>
-            </a:r>
-            <a:endParaRPr lang="en-US" altLang="zh-TW" dirty="0"/>
-          </a:p>
-        </p:txBody>
-      </p:sp>
-      <p:sp>
-        <p:nvSpPr>
-          <p:cNvPr id="3" name="內容版面配置區 2"/>
-          <p:cNvSpPr>
-            <a:spLocks noGrp="1"/>
-          </p:cNvSpPr>
-          <p:nvPr>
-            <p:ph idx="1"/>
-          </p:nvPr>
-        </p:nvSpPr>
         <p:spPr>
           <a:xfrm>
-            <a:off x="539552" y="1268760"/>
-            <a:ext cx="8229600" cy="4530725"/>
+            <a:off x="457200" y="332656"/>
+            <a:ext cx="8229600" cy="1139825"/>
           </a:xfrm>
         </p:spPr>
         <p:txBody>
           <a:bodyPr/>
           <a:lstStyle/>
           <a:p>
-            <a:pPr lvl="1"/>
-            <a:r>
-              <a:rPr lang="en-US" altLang="zh-TW" dirty="0" smtClean="0"/>
-              <a:t>107 </a:t>
-            </a:r>
+            <a:pPr algn="ctr"/>
             <a:r>
               <a:rPr lang="zh-TW" altLang="en-US" dirty="0" smtClean="0"/>
-              <a:t>級醫</a:t>
-            </a:r>
-            <a:r>
-              <a:rPr lang="zh-TW" altLang="en-US" dirty="0"/>
-              <a:t>資</a:t>
-            </a:r>
-            <a:r>
-              <a:rPr lang="zh-TW" altLang="en-US" dirty="0" smtClean="0"/>
-              <a:t>系同學</a:t>
-            </a:r>
-            <a:r>
-              <a:rPr lang="zh-TW" altLang="en-US" dirty="0" smtClean="0"/>
-              <a:t>名單</a:t>
-            </a:r>
-            <a:endParaRPr lang="en-US" altLang="zh-TW" dirty="0" smtClean="0"/>
-          </a:p>
-          <a:p>
-            <a:pPr lvl="2"/>
-            <a:r>
-              <a:rPr lang="zh-TW" altLang="en-US" dirty="0" smtClean="0"/>
-              <a:t>每個學系級會有一個唯一代碼，同學資料須包含所屬系級代碼，已表示同學所屬系級</a:t>
-            </a:r>
-            <a:endParaRPr lang="en-US" altLang="zh-TW" dirty="0" smtClean="0"/>
-          </a:p>
-          <a:p>
-            <a:pPr lvl="2"/>
-            <a:r>
-              <a:rPr lang="zh-TW" altLang="en-US" dirty="0"/>
-              <a:t>可</a:t>
-            </a:r>
-            <a:r>
-              <a:rPr lang="zh-TW" altLang="en-US" dirty="0" smtClean="0"/>
-              <a:t>由系級代碼，查到所屬系級所有的同學</a:t>
-            </a:r>
-            <a:endParaRPr lang="en-US" altLang="zh-TW" dirty="0" smtClean="0"/>
-          </a:p>
-          <a:p>
-            <a:pPr lvl="1"/>
-            <a:r>
-              <a:rPr lang="zh-TW" altLang="en-US" dirty="0"/>
-              <a:t>某位</a:t>
-            </a:r>
-            <a:r>
-              <a:rPr lang="zh-TW" altLang="en-US" dirty="0" smtClean="0"/>
-              <a:t>同學修</a:t>
-            </a:r>
-            <a:r>
-              <a:rPr lang="zh-TW" altLang="en-US" dirty="0" smtClean="0"/>
-              <a:t>課</a:t>
-            </a:r>
-            <a:r>
-              <a:rPr lang="zh-TW" altLang="en-US" dirty="0" smtClean="0"/>
-              <a:t>列表</a:t>
-            </a:r>
-            <a:endParaRPr lang="en-US" altLang="zh-TW" dirty="0" smtClean="0"/>
-          </a:p>
-          <a:p>
-            <a:pPr lvl="2"/>
-            <a:r>
-              <a:rPr lang="zh-TW" altLang="en-US" dirty="0" smtClean="0"/>
-              <a:t>可由學號查同學修課清單</a:t>
-            </a:r>
-            <a:endParaRPr lang="en-US" altLang="zh-TW" dirty="0" smtClean="0"/>
-          </a:p>
-        </p:txBody>
-      </p:sp>
+              <a:t>病患生理資料登入網頁</a:t>
+            </a:r>
+            <a:endParaRPr lang="zh-TW" altLang="en-US" dirty="0"/>
+          </a:p>
+        </p:txBody>
+      </p:sp>
+      <p:pic>
+        <p:nvPicPr>
+          <p:cNvPr id="6" name="圖片 5"/>
+          <p:cNvPicPr>
+            <a:picLocks noChangeAspect="1"/>
+          </p:cNvPicPr>
+          <p:nvPr/>
+        </p:nvPicPr>
+        <p:blipFill>
+          <a:blip r:embed="rId2"/>
+          <a:stretch>
+            <a:fillRect/>
+          </a:stretch>
+        </p:blipFill>
+        <p:spPr>
+          <a:xfrm>
+            <a:off x="42862" y="1340768"/>
+            <a:ext cx="9058275" cy="5248275"/>
+          </a:xfrm>
+          <a:prstGeom prst="rect">
+            <a:avLst/>
+          </a:prstGeom>
+        </p:spPr>
+      </p:pic>
     </p:spTree>
     <p:extLst>
       <p:ext uri="{BB962C8B-B14F-4D97-AF65-F5344CB8AC3E}">
-        <p14:creationId xmlns:p14="http://schemas.microsoft.com/office/powerpoint/2010/main" val="2583585302"/>
+        <p14:creationId xmlns:p14="http://schemas.microsoft.com/office/powerpoint/2010/main" val="3843366468"/>
       </p:ext>
     </p:extLst>
   </p:cSld>
@@ -4663,196 +5178,126 @@
             <p:ph type="title"/>
           </p:nvPr>
         </p:nvSpPr>
-        <p:spPr>
-          <a:xfrm>
-            <a:off x="457200" y="277813"/>
-            <a:ext cx="8229600" cy="846931"/>
-          </a:xfrm>
-        </p:spPr>
+        <p:spPr/>
         <p:txBody>
           <a:bodyPr/>
           <a:lstStyle/>
           <a:p>
-            <a:pPr algn="ctr"/>
+            <a:r>
+              <a:rPr lang="zh-TW" altLang="en-US" dirty="0" smtClean="0"/>
+              <a:t>商品範例</a:t>
+            </a:r>
+            <a:endParaRPr lang="zh-TW" altLang="en-US" dirty="0"/>
+          </a:p>
+        </p:txBody>
+      </p:sp>
+      <p:sp>
+        <p:nvSpPr>
+          <p:cNvPr id="3" name="內容版面配置區 2"/>
+          <p:cNvSpPr>
+            <a:spLocks noGrp="1"/>
+          </p:cNvSpPr>
+          <p:nvPr>
+            <p:ph idx="1"/>
+          </p:nvPr>
+        </p:nvSpPr>
+        <p:spPr/>
+        <p:txBody>
+          <a:bodyPr/>
+          <a:lstStyle/>
+          <a:p>
+            <a:r>
+              <a:rPr lang="zh-TW" altLang="en-US" dirty="0" smtClean="0"/>
+              <a:t>餐廳列表</a:t>
+            </a:r>
             <a:r>
               <a:rPr lang="en-US" altLang="zh-TW" dirty="0" smtClean="0"/>
-              <a:t>IDs </a:t>
-            </a:r>
-            <a:r>
-              <a:rPr lang="zh-TW" altLang="en-US" dirty="0"/>
-              <a:t>資料</a:t>
+              <a:t>-</a:t>
             </a:r>
             <a:r>
               <a:rPr lang="zh-TW" altLang="en-US" dirty="0" smtClean="0"/>
-              <a:t>參照</a:t>
-            </a:r>
-            <a:r>
-              <a:rPr lang="zh-TW" altLang="en-US" dirty="0"/>
-              <a:t>查詢</a:t>
-            </a:r>
+              <a:t>某餐廳的菜單</a:t>
+            </a:r>
+            <a:endParaRPr lang="en-US" altLang="zh-TW" dirty="0" smtClean="0"/>
+          </a:p>
+          <a:p>
+            <a:pPr lvl="1"/>
             <a:r>
               <a:rPr lang="en-US" altLang="zh-TW" dirty="0" smtClean="0"/>
-              <a:t>(</a:t>
-            </a:r>
+              <a:t>https</a:t>
+            </a:r>
+            <a:r>
+              <a:rPr lang="en-US" altLang="zh-TW" dirty="0"/>
+              <a:t>://</a:t>
+            </a:r>
+            <a:r>
+              <a:rPr lang="en-US" altLang="zh-TW" dirty="0" err="1"/>
+              <a:t>www.foodnetwork.com</a:t>
+            </a:r>
+            <a:r>
+              <a:rPr lang="en-US" altLang="zh-TW" dirty="0"/>
+              <a:t>/?</a:t>
+            </a:r>
+            <a:r>
+              <a:rPr lang="en-US" altLang="zh-TW" dirty="0" err="1" smtClean="0"/>
+              <a:t>omnisource</a:t>
+            </a:r>
+            <a:r>
+              <a:rPr lang="en-US" altLang="zh-TW" dirty="0" smtClean="0"/>
+              <a:t>=</a:t>
+            </a:r>
+            <a:r>
+              <a:rPr lang="en-US" altLang="zh-TW" dirty="0" err="1" smtClean="0"/>
+              <a:t>gid_asia</a:t>
+            </a:r>
+            <a:endParaRPr lang="en-US" altLang="zh-TW" dirty="0" smtClean="0"/>
+          </a:p>
+          <a:p>
+            <a:endParaRPr lang="en-US" altLang="zh-TW" dirty="0"/>
+          </a:p>
+          <a:p>
             <a:r>
               <a:rPr lang="zh-TW" altLang="en-US" dirty="0" smtClean="0"/>
-              <a:t>範例二</a:t>
+              <a:t>某地區所有的食品外賣店列表</a:t>
             </a:r>
             <a:r>
               <a:rPr lang="en-US" altLang="zh-TW" dirty="0" smtClean="0"/>
-              <a:t>)</a:t>
-            </a:r>
-            <a:endParaRPr lang="zh-TW" altLang="en-US" dirty="0"/>
-          </a:p>
-        </p:txBody>
-      </p:sp>
-      <p:sp>
-        <p:nvSpPr>
-          <p:cNvPr id="3" name="內容版面配置區 2"/>
-          <p:cNvSpPr>
-            <a:spLocks noGrp="1"/>
-          </p:cNvSpPr>
-          <p:nvPr>
-            <p:ph idx="1"/>
-          </p:nvPr>
-        </p:nvSpPr>
-        <p:spPr>
-          <a:xfrm>
-            <a:off x="467544" y="1556792"/>
-            <a:ext cx="8229600" cy="4530725"/>
-          </a:xfrm>
-        </p:spPr>
-        <p:txBody>
-          <a:bodyPr/>
-          <a:lstStyle/>
-          <a:p>
+              <a:t>-</a:t>
+            </a:r>
             <a:r>
               <a:rPr lang="zh-TW" altLang="en-US" dirty="0" smtClean="0"/>
-              <a:t>照</a:t>
-            </a:r>
-            <a:r>
-              <a:rPr lang="zh-TW" altLang="en-US" dirty="0"/>
-              <a:t>護中心住戶</a:t>
+              <a:t>某外賣店食品列表</a:t>
+            </a:r>
+            <a:r>
+              <a:rPr lang="en-US" altLang="zh-TW" dirty="0" smtClean="0"/>
+              <a:t>-</a:t>
             </a:r>
             <a:r>
               <a:rPr lang="zh-TW" altLang="en-US" dirty="0" smtClean="0"/>
-              <a:t>列表</a:t>
+              <a:t>選擇的食品訂購網頁</a:t>
             </a:r>
             <a:endParaRPr lang="en-US" altLang="zh-TW" dirty="0" smtClean="0"/>
           </a:p>
           <a:p>
             <a:pPr lvl="1"/>
             <a:r>
-              <a:rPr lang="zh-TW" altLang="en-US" dirty="0"/>
-              <a:t>由</a:t>
-            </a:r>
-            <a:r>
-              <a:rPr lang="zh-TW" altLang="en-US" dirty="0" smtClean="0"/>
-              <a:t>機構</a:t>
+              <a:rPr lang="en-US" altLang="zh-TW" dirty="0" err="1" smtClean="0"/>
+              <a:t>uber</a:t>
             </a:r>
             <a:r>
               <a:rPr lang="en-US" altLang="zh-TW" dirty="0" smtClean="0"/>
-              <a:t>(organization)</a:t>
-            </a:r>
-            <a:r>
-              <a:rPr lang="zh-TW" altLang="en-US" dirty="0" smtClean="0"/>
-              <a:t>代碼</a:t>
-            </a:r>
-            <a:r>
-              <a:rPr lang="zh-TW" altLang="en-US" dirty="0"/>
-              <a:t>查住戶清單</a:t>
-            </a:r>
-            <a:endParaRPr lang="en-US" altLang="zh-TW" dirty="0" smtClean="0"/>
-          </a:p>
-          <a:p>
-            <a:r>
-              <a:rPr lang="zh-TW" altLang="en-US" dirty="0"/>
-              <a:t>住戶就醫</a:t>
-            </a:r>
-            <a:r>
-              <a:rPr lang="zh-TW" altLang="en-US" dirty="0" smtClean="0"/>
-              <a:t>紀錄</a:t>
-            </a:r>
-            <a:endParaRPr lang="en-US" altLang="zh-TW" dirty="0" smtClean="0"/>
-          </a:p>
-          <a:p>
-            <a:pPr lvl="1"/>
-            <a:r>
-              <a:rPr lang="zh-TW" altLang="en-US" dirty="0"/>
-              <a:t>由</a:t>
-            </a:r>
-            <a:r>
-              <a:rPr lang="zh-TW" altLang="en-US" dirty="0" smtClean="0"/>
-              <a:t>住戶</a:t>
-            </a:r>
-            <a:r>
-              <a:rPr lang="zh-TW" altLang="en-US" dirty="0"/>
-              <a:t> </a:t>
-            </a:r>
-            <a:r>
-              <a:rPr lang="en-US" altLang="zh-TW" dirty="0" smtClean="0"/>
-              <a:t>ID(patient ID) </a:t>
-            </a:r>
-            <a:r>
-              <a:rPr lang="zh-TW" altLang="en-US" dirty="0" smtClean="0"/>
-              <a:t>查就醫紀錄</a:t>
-            </a:r>
-            <a:r>
-              <a:rPr lang="en-US" altLang="zh-TW" dirty="0" smtClean="0"/>
-              <a:t> </a:t>
-            </a:r>
-            <a:endParaRPr lang="en-US" altLang="zh-TW" dirty="0" smtClean="0"/>
-          </a:p>
-          <a:p>
-            <a:r>
-              <a:rPr lang="zh-TW" altLang="en-US" dirty="0"/>
-              <a:t>某次就醫所開立之藥物</a:t>
-            </a:r>
-            <a:r>
-              <a:rPr lang="zh-TW" altLang="en-US" dirty="0" smtClean="0"/>
-              <a:t>處方</a:t>
-            </a:r>
-            <a:endParaRPr lang="en-US" altLang="zh-TW" dirty="0" smtClean="0"/>
-          </a:p>
-          <a:p>
-            <a:pPr lvl="1"/>
-            <a:r>
-              <a:rPr lang="zh-TW" altLang="en-US" dirty="0"/>
-              <a:t>由就醫</a:t>
-            </a:r>
-            <a:r>
-              <a:rPr lang="zh-TW" altLang="en-US" dirty="0" smtClean="0"/>
-              <a:t>紀錄 </a:t>
-            </a:r>
-            <a:r>
-              <a:rPr lang="en-US" altLang="zh-TW" dirty="0" smtClean="0"/>
-              <a:t>ID(encounter ID) </a:t>
-            </a:r>
-            <a:r>
-              <a:rPr lang="zh-TW" altLang="en-US" dirty="0" smtClean="0"/>
-              <a:t>查開立的處方</a:t>
-            </a:r>
-            <a:r>
-              <a:rPr lang="en-US" altLang="zh-TW" dirty="0" smtClean="0"/>
-              <a:t>(medication request)</a:t>
-            </a:r>
-            <a:endParaRPr lang="en-US" altLang="zh-TW" dirty="0" smtClean="0"/>
-          </a:p>
-          <a:p>
-            <a:r>
-              <a:rPr lang="en-US" altLang="zh-TW" dirty="0" smtClean="0"/>
-              <a:t>Ref:</a:t>
-            </a:r>
-          </a:p>
-          <a:p>
-            <a:pPr lvl="1"/>
+              <a:t> eat</a:t>
+            </a:r>
+          </a:p>
+          <a:p>
+            <a:pPr lvl="2"/>
             <a:r>
               <a:rPr lang="en-US" altLang="zh-TW" dirty="0"/>
-              <a:t>http://</a:t>
+              <a:t>https://</a:t>
             </a:r>
             <a:r>
               <a:rPr lang="en-US" altLang="zh-TW" dirty="0" err="1"/>
-              <a:t>www.hl7.org</a:t>
+              <a:t>www.ubereats.com</a:t>
             </a:r>
             <a:r>
               <a:rPr lang="en-US" altLang="zh-TW" dirty="0"/>
@@ -4860,22 +5305,11 @@
             </a:r>
             <a:r>
               <a:rPr lang="en-US" altLang="zh-TW" dirty="0" err="1"/>
-              <a:t>FHIR</a:t>
-            </a:r>
-            <a:r>
-              <a:rPr lang="en-US" altLang="zh-TW" dirty="0" smtClean="0"/>
-              <a:t>/</a:t>
-            </a:r>
-          </a:p>
-          <a:p>
-            <a:pPr lvl="1"/>
+              <a:t>zh</a:t>
+            </a:r>
             <a:r>
               <a:rPr lang="en-US" altLang="zh-TW" dirty="0"/>
-              <a:t>https://</a:t>
-            </a:r>
-            <a:r>
-              <a:rPr lang="en-US" altLang="zh-TW" dirty="0" err="1"/>
-              <a:t>fhirtest.uhn.ca</a:t>
+              <a:t>-TW</a:t>
             </a:r>
             <a:r>
               <a:rPr lang="en-US" altLang="zh-TW" dirty="0" smtClean="0"/>
@@ -4888,7 +5322,7 @@
     </p:spTree>
     <p:extLst>
       <p:ext uri="{BB962C8B-B14F-4D97-AF65-F5344CB8AC3E}">
-        <p14:creationId xmlns:p14="http://schemas.microsoft.com/office/powerpoint/2010/main" val="3346122567"/>
+        <p14:creationId xmlns:p14="http://schemas.microsoft.com/office/powerpoint/2010/main" val="3453476989"/>
       </p:ext>
     </p:extLst>
   </p:cSld>
@@ -4917,9 +5351,9 @@
       </p:grpSpPr>
       <p:sp>
         <p:nvSpPr>
-          <p:cNvPr id="571394" name="Rectangle 2"/>
-          <p:cNvSpPr>
-            <a:spLocks noGrp="1" noChangeArrowheads="1"/>
+          <p:cNvPr id="2" name="標題 1"/>
+          <p:cNvSpPr>
+            <a:spLocks noGrp="1"/>
           </p:cNvSpPr>
           <p:nvPr>
             <p:ph type="title"/>
@@ -4932,137 +5366,136 @@
           <a:p>
             <a:pPr algn="ctr"/>
             <a:r>
-              <a:rPr lang="en-US" altLang="zh-TW" dirty="0"/>
-              <a:t>Master and Detail </a:t>
-            </a:r>
+              <a:rPr lang="en-US" altLang="zh-TW" dirty="0" smtClean="0"/>
+              <a:t>IDs </a:t>
+            </a:r>
+            <a:r>
+              <a:rPr lang="zh-TW" altLang="en-US" dirty="0" smtClean="0"/>
+              <a:t>概念說明</a:t>
+            </a:r>
+            <a:endParaRPr lang="zh-TW" altLang="en-US" dirty="0"/>
+          </a:p>
+        </p:txBody>
+      </p:sp>
+      <p:sp>
+        <p:nvSpPr>
+          <p:cNvPr id="3" name="內容版面配置區 2"/>
+          <p:cNvSpPr>
+            <a:spLocks noGrp="1"/>
+          </p:cNvSpPr>
+          <p:nvPr>
+            <p:ph idx="1"/>
+          </p:nvPr>
+        </p:nvSpPr>
+        <p:spPr/>
+        <p:txBody>
+          <a:bodyPr/>
+          <a:lstStyle/>
+          <a:p>
+            <a:r>
+              <a:rPr lang="zh-TW" altLang="en-US" dirty="0" smtClean="0"/>
+              <a:t>每一筆資料皆須有一唯一編碼</a:t>
+            </a:r>
+            <a:endParaRPr lang="en-US" altLang="zh-TW" dirty="0" smtClean="0"/>
+          </a:p>
+          <a:p>
+            <a:pPr lvl="1"/>
             <a:r>
               <a:rPr lang="zh-TW" altLang="en-US" dirty="0"/>
-              <a:t>資料呈現需求</a:t>
-            </a:r>
-            <a:r>
-              <a:rPr lang="en-US" altLang="zh-TW" dirty="0"/>
-              <a:t>(2)</a:t>
+              <a:t>以利</a:t>
+            </a:r>
+            <a:r>
+              <a:rPr lang="zh-TW" altLang="en-US" dirty="0" smtClean="0"/>
+              <a:t>程式及資料庫處理</a:t>
+            </a:r>
+            <a:endParaRPr lang="en-US" altLang="zh-TW" dirty="0" smtClean="0"/>
+          </a:p>
+          <a:p>
+            <a:pPr lvl="1"/>
+            <a:r>
+              <a:rPr lang="zh-TW" altLang="en-US" dirty="0"/>
+              <a:t>例如</a:t>
+            </a:r>
+            <a:endParaRPr lang="en-US" altLang="zh-TW" dirty="0" smtClean="0"/>
+          </a:p>
+          <a:p>
+            <a:pPr lvl="2"/>
+            <a:r>
+              <a:rPr lang="zh-TW" altLang="en-US" dirty="0" smtClean="0"/>
+              <a:t>病人病歷號 </a:t>
+            </a:r>
+            <a:r>
+              <a:rPr lang="en-US" altLang="zh-TW" dirty="0" smtClean="0"/>
+              <a:t>patient</a:t>
+            </a:r>
+          </a:p>
+          <a:p>
+            <a:pPr lvl="2"/>
+            <a:r>
+              <a:rPr lang="zh-TW" altLang="en-US" dirty="0" smtClean="0"/>
+              <a:t>產品序號 </a:t>
+            </a:r>
+            <a:r>
+              <a:rPr lang="en-US" altLang="zh-TW" dirty="0" smtClean="0"/>
+              <a:t>serial number</a:t>
+            </a:r>
+          </a:p>
+          <a:p>
+            <a:pPr lvl="2"/>
+            <a:r>
+              <a:rPr lang="zh-TW" altLang="en-US" dirty="0"/>
+              <a:t>訂單</a:t>
+            </a:r>
+            <a:r>
+              <a:rPr lang="zh-TW" altLang="en-US" dirty="0" smtClean="0"/>
+              <a:t>號碼</a:t>
+            </a:r>
+            <a:endParaRPr lang="en-US" altLang="zh-TW" dirty="0" smtClean="0"/>
+          </a:p>
+          <a:p>
+            <a:pPr lvl="2"/>
+            <a:r>
+              <a:rPr lang="zh-TW" altLang="en-US" dirty="0"/>
+              <a:t>學</a:t>
+            </a:r>
+            <a:r>
+              <a:rPr lang="zh-TW" altLang="en-US" dirty="0" smtClean="0"/>
+              <a:t>號</a:t>
+            </a:r>
+            <a:endParaRPr lang="en-US" altLang="zh-TW" dirty="0" smtClean="0"/>
+          </a:p>
+          <a:p>
+            <a:pPr lvl="2"/>
+            <a:r>
+              <a:rPr lang="zh-TW" altLang="en-US" dirty="0"/>
+              <a:t>課</a:t>
+            </a:r>
+            <a:r>
+              <a:rPr lang="zh-TW" altLang="en-US" dirty="0" smtClean="0"/>
+              <a:t>號</a:t>
+            </a:r>
+            <a:endParaRPr lang="en-US" altLang="zh-TW" dirty="0"/>
+          </a:p>
+          <a:p>
+            <a:pPr lvl="2"/>
+            <a:r>
+              <a:rPr lang="en-US" altLang="zh-TW" dirty="0" smtClean="0"/>
+              <a:t>....</a:t>
             </a:r>
             <a:endParaRPr lang="zh-TW" altLang="en-US" dirty="0"/>
           </a:p>
         </p:txBody>
       </p:sp>
-      <p:sp>
-        <p:nvSpPr>
-          <p:cNvPr id="571395" name="Rectangle 3"/>
-          <p:cNvSpPr>
-            <a:spLocks noGrp="1" noChangeArrowheads="1"/>
-          </p:cNvSpPr>
-          <p:nvPr>
-            <p:ph type="body" idx="1"/>
-          </p:nvPr>
-        </p:nvSpPr>
-        <p:spPr/>
-        <p:txBody>
-          <a:bodyPr/>
-          <a:lstStyle/>
-          <a:p>
-            <a:r>
-              <a:rPr lang="zh-TW" altLang="en-US" sz="2600"/>
-              <a:t>資料庫當中包含兩個資料表</a:t>
-            </a:r>
-            <a:r>
-              <a:rPr lang="en-US" altLang="zh-TW" sz="2600"/>
-              <a:t>(Master table detail table)</a:t>
-            </a:r>
-            <a:r>
-              <a:rPr lang="zh-TW" altLang="en-US" sz="2600"/>
-              <a:t>， </a:t>
-            </a:r>
-            <a:r>
-              <a:rPr lang="en-US" altLang="zh-TW" sz="2600"/>
-              <a:t>detail table </a:t>
-            </a:r>
-            <a:r>
-              <a:rPr lang="zh-TW" altLang="en-US" sz="2600"/>
-              <a:t>包含一關聯鍵，連結至 </a:t>
-            </a:r>
-            <a:r>
-              <a:rPr lang="en-US" altLang="zh-TW" sz="2600"/>
-              <a:t>Master table</a:t>
-            </a:r>
-          </a:p>
-          <a:p>
-            <a:r>
-              <a:rPr kumimoji="0" lang="zh-TW" altLang="en-US" sz="2600"/>
-              <a:t>系統介面先呈現　</a:t>
-            </a:r>
-            <a:r>
-              <a:rPr kumimoji="0" lang="en-US" altLang="zh-TW" sz="2600"/>
-              <a:t>Master</a:t>
-            </a:r>
-            <a:r>
-              <a:rPr kumimoji="0" lang="zh-TW" altLang="en-US" sz="2600"/>
-              <a:t>　</a:t>
-            </a:r>
-            <a:r>
-              <a:rPr kumimoji="0" lang="en-US" altLang="zh-TW" sz="2600"/>
-              <a:t>table</a:t>
-            </a:r>
-            <a:r>
-              <a:rPr kumimoji="0" lang="zh-TW" altLang="en-US" sz="2600"/>
-              <a:t>　內容  ，當選擇某一筆資料後，以此筆資料的</a:t>
-            </a:r>
-            <a:r>
-              <a:rPr lang="zh-TW" altLang="en-US" sz="2600"/>
-              <a:t>鍵</a:t>
-            </a:r>
-            <a:r>
-              <a:rPr kumimoji="0" lang="zh-TW" altLang="en-US" sz="2600"/>
-              <a:t>值再查詢呈現　 </a:t>
-            </a:r>
-            <a:r>
-              <a:rPr lang="en-US" altLang="zh-TW" sz="2600"/>
-              <a:t>detail table </a:t>
-            </a:r>
-            <a:r>
-              <a:rPr lang="zh-TW" altLang="en-US" sz="2600"/>
-              <a:t>內容</a:t>
-            </a:r>
-          </a:p>
-          <a:p>
-            <a:r>
-              <a:rPr lang="zh-TW" altLang="en-US" sz="2600"/>
-              <a:t>Ｅ</a:t>
-            </a:r>
-            <a:r>
-              <a:rPr lang="en-US" altLang="zh-TW" sz="2600"/>
-              <a:t>xp:</a:t>
-            </a:r>
-          </a:p>
-          <a:p>
-            <a:pPr lvl="1"/>
-            <a:r>
-              <a:rPr lang="zh-TW" altLang="en-US" sz="2200"/>
-              <a:t>從訂單資料表找到某張訂單，在列出此訂單包含的品項</a:t>
-            </a:r>
-          </a:p>
-          <a:p>
-            <a:pPr lvl="1"/>
-            <a:r>
-              <a:rPr lang="zh-TW" altLang="en-US" sz="2200"/>
-              <a:t>從電子相簿主題找到某一相簿，再列出此相簿所有相片</a:t>
-            </a:r>
-          </a:p>
-        </p:txBody>
-      </p:sp>
     </p:spTree>
+    <p:extLst>
+      <p:ext uri="{BB962C8B-B14F-4D97-AF65-F5344CB8AC3E}">
+        <p14:creationId xmlns:p14="http://schemas.microsoft.com/office/powerpoint/2010/main" val="1887345081"/>
+      </p:ext>
+    </p:extLst>
   </p:cSld>
   <p:clrMapOvr>
     <a:masterClrMapping/>
   </p:clrMapOvr>
-  <p:timing>
-    <p:tnLst>
-      <p:par>
-        <p:cTn id="1" dur="indefinite" restart="never" nodeType="tmRoot"/>
-      </p:par>
-    </p:tnLst>
-  </p:timing>
 </p:sld>
 </file>
 
@@ -5085,9 +5518,9 @@
       </p:grpSpPr>
       <p:sp>
         <p:nvSpPr>
-          <p:cNvPr id="579586" name="Rectangle 2"/>
-          <p:cNvSpPr>
-            <a:spLocks noGrp="1" noChangeArrowheads="1"/>
+          <p:cNvPr id="2" name="標題 1"/>
+          <p:cNvSpPr>
+            <a:spLocks noGrp="1"/>
           </p:cNvSpPr>
           <p:nvPr>
             <p:ph type="title"/>
@@ -5100,223 +5533,120 @@
           <a:p>
             <a:pPr algn="ctr"/>
             <a:r>
-              <a:rPr lang="zh-TW" altLang="en-US" sz="3600" dirty="0"/>
-              <a:t>設計</a:t>
-            </a:r>
-            <a:r>
-              <a:rPr lang="zh-TW" altLang="en-US" sz="3600" dirty="0" smtClean="0"/>
-              <a:t>範例</a:t>
-            </a:r>
-            <a:r>
-              <a:rPr lang="en-US" altLang="zh-TW" sz="3600" dirty="0" smtClean="0"/>
-              <a:t>:</a:t>
-            </a:r>
-            <a:r>
-              <a:rPr lang="zh-TW" altLang="en-US" sz="3600" dirty="0" smtClean="0"/>
-              <a:t>個人相簿管理</a:t>
-            </a:r>
-            <a:endParaRPr lang="zh-TW" altLang="en-US" sz="3600" dirty="0"/>
-          </a:p>
-        </p:txBody>
-      </p:sp>
-      <p:sp>
-        <p:nvSpPr>
-          <p:cNvPr id="579587" name="Rectangle 3"/>
-          <p:cNvSpPr>
-            <a:spLocks noGrp="1" noChangeArrowheads="1"/>
-          </p:cNvSpPr>
-          <p:nvPr>
-            <p:ph type="body" idx="1"/>
+              <a:rPr lang="en-US" altLang="zh-TW" dirty="0" smtClean="0"/>
+              <a:t>IDs </a:t>
+            </a:r>
+            <a:r>
+              <a:rPr lang="zh-TW" altLang="en-US" dirty="0" smtClean="0"/>
+              <a:t>資料參照查詢</a:t>
+            </a:r>
+            <a:r>
+              <a:rPr lang="en-US" altLang="zh-TW" dirty="0" smtClean="0"/>
+              <a:t>(</a:t>
+            </a:r>
+            <a:r>
+              <a:rPr lang="zh-TW" altLang="en-US" dirty="0" smtClean="0"/>
+              <a:t>範例一</a:t>
+            </a:r>
+            <a:r>
+              <a:rPr lang="en-US" altLang="zh-TW" dirty="0" smtClean="0"/>
+              <a:t>)</a:t>
+            </a:r>
+            <a:endParaRPr lang="en-US" altLang="zh-TW" dirty="0"/>
+          </a:p>
+        </p:txBody>
+      </p:sp>
+      <p:sp>
+        <p:nvSpPr>
+          <p:cNvPr id="3" name="內容版面配置區 2"/>
+          <p:cNvSpPr>
+            <a:spLocks noGrp="1"/>
+          </p:cNvSpPr>
+          <p:nvPr>
+            <p:ph idx="1"/>
           </p:nvPr>
         </p:nvSpPr>
         <p:spPr>
           <a:xfrm>
-            <a:off x="457200" y="1341438"/>
-            <a:ext cx="8229600" cy="4789487"/>
+            <a:off x="539552" y="1268760"/>
+            <a:ext cx="8229600" cy="4530725"/>
           </a:xfrm>
         </p:spPr>
         <p:txBody>
           <a:bodyPr/>
           <a:lstStyle/>
           <a:p>
-            <a:r>
-              <a:rPr lang="zh-TW" altLang="en-US" sz="2500" dirty="0"/>
-              <a:t>設計</a:t>
-            </a:r>
-            <a:r>
-              <a:rPr lang="en-US" altLang="zh-TW" sz="2500" dirty="0"/>
-              <a:t>master detail </a:t>
-            </a:r>
-            <a:r>
-              <a:rPr lang="zh-TW" altLang="en-US" sz="2500" dirty="0"/>
-              <a:t>資料表</a:t>
-            </a:r>
-            <a:r>
-              <a:rPr lang="en-US" altLang="zh-TW" sz="2500" dirty="0"/>
-              <a:t>: </a:t>
-            </a:r>
-            <a:r>
-              <a:rPr lang="zh-TW" altLang="en-US" sz="2500" dirty="0"/>
-              <a:t>相簿主題資料表</a:t>
-            </a:r>
-            <a:r>
-              <a:rPr lang="en-US" altLang="zh-TW" sz="2500" dirty="0"/>
-              <a:t>(Subject Table)</a:t>
-            </a:r>
-            <a:r>
-              <a:rPr lang="zh-TW" altLang="en-US" sz="2500" dirty="0"/>
-              <a:t>及相簿檔案資料表</a:t>
-            </a:r>
-            <a:r>
-              <a:rPr lang="en-US" altLang="zh-TW" sz="2500" dirty="0"/>
-              <a:t>(</a:t>
-            </a:r>
-            <a:r>
-              <a:rPr lang="en-US" altLang="zh-TW" sz="2500" dirty="0" err="1"/>
-              <a:t>PhotoFile</a:t>
-            </a:r>
-            <a:r>
-              <a:rPr lang="en-US" altLang="zh-TW" sz="2500" dirty="0"/>
-              <a:t> Table) </a:t>
-            </a:r>
-            <a:endParaRPr lang="zh-TW" altLang="en-US" sz="2500" dirty="0"/>
-          </a:p>
-          <a:p>
             <a:pPr lvl="1"/>
             <a:r>
-              <a:rPr lang="zh-TW" altLang="en-US" sz="2100" dirty="0"/>
-              <a:t>相簿主題資料表含　</a:t>
-            </a:r>
-            <a:r>
-              <a:rPr lang="en-US" altLang="zh-TW" sz="2100" dirty="0"/>
-              <a:t>Subject</a:t>
-            </a:r>
-            <a:r>
-              <a:rPr lang="zh-TW" altLang="en-US" sz="2100" dirty="0"/>
-              <a:t>、 </a:t>
-            </a:r>
-            <a:r>
-              <a:rPr lang="en-US" altLang="zh-TW" sz="2100" dirty="0" err="1"/>
-              <a:t>SubjectID</a:t>
-            </a:r>
-            <a:r>
-              <a:rPr lang="zh-TW" altLang="en-US" sz="2100" dirty="0"/>
-              <a:t>、 </a:t>
-            </a:r>
-            <a:r>
-              <a:rPr lang="en-US" altLang="zh-TW" sz="2100" dirty="0" err="1"/>
-              <a:t>PhotoDirectory</a:t>
-            </a:r>
-            <a:r>
-              <a:rPr lang="zh-TW" altLang="en-US" sz="2100" dirty="0"/>
-              <a:t> 等欄位</a:t>
-            </a:r>
+              <a:rPr lang="en-US" altLang="zh-TW" dirty="0" smtClean="0"/>
+              <a:t>107 </a:t>
+            </a:r>
+            <a:r>
+              <a:rPr lang="zh-TW" altLang="en-US" dirty="0" smtClean="0"/>
+              <a:t>級醫</a:t>
+            </a:r>
+            <a:r>
+              <a:rPr lang="zh-TW" altLang="en-US" dirty="0"/>
+              <a:t>資</a:t>
+            </a:r>
+            <a:r>
+              <a:rPr lang="zh-TW" altLang="en-US" dirty="0" smtClean="0"/>
+              <a:t>系同學名單</a:t>
+            </a:r>
+            <a:endParaRPr lang="en-US" altLang="zh-TW" dirty="0" smtClean="0"/>
+          </a:p>
+          <a:p>
+            <a:pPr lvl="2"/>
+            <a:r>
+              <a:rPr lang="zh-TW" altLang="en-US" dirty="0" smtClean="0"/>
+              <a:t>每個學系級會有一個唯一代碼，同學資料須包含所屬系級代碼，已表示同學所屬系級</a:t>
+            </a:r>
+            <a:endParaRPr lang="en-US" altLang="zh-TW" dirty="0" smtClean="0"/>
+          </a:p>
+          <a:p>
+            <a:pPr lvl="2"/>
+            <a:r>
+              <a:rPr lang="zh-TW" altLang="en-US" dirty="0"/>
+              <a:t>可</a:t>
+            </a:r>
+            <a:r>
+              <a:rPr lang="zh-TW" altLang="en-US" dirty="0" smtClean="0"/>
+              <a:t>由系級代碼，查到所屬系級所有的同學</a:t>
+            </a:r>
+            <a:endParaRPr lang="en-US" altLang="zh-TW" dirty="0" smtClean="0"/>
           </a:p>
           <a:p>
             <a:pPr lvl="1"/>
             <a:r>
-              <a:rPr lang="en-US" altLang="zh-TW" sz="2100" dirty="0" err="1"/>
-              <a:t>PhotoFile</a:t>
-            </a:r>
-            <a:r>
-              <a:rPr lang="en-US" altLang="zh-TW" sz="2100" dirty="0"/>
-              <a:t> Table </a:t>
-            </a:r>
-            <a:r>
-              <a:rPr lang="zh-TW" altLang="en-US" sz="2100" dirty="0"/>
-              <a:t>相簿檔案資料表含  </a:t>
-            </a:r>
-            <a:r>
-              <a:rPr lang="en-US" altLang="zh-TW" sz="2100" b="1" dirty="0" err="1">
-                <a:solidFill>
-                  <a:srgbClr val="FF0000"/>
-                </a:solidFill>
-              </a:rPr>
-              <a:t>SubjectID</a:t>
-            </a:r>
-            <a:r>
-              <a:rPr lang="zh-TW" altLang="en-US" sz="2100" dirty="0"/>
-              <a:t>、 </a:t>
-            </a:r>
-            <a:r>
-              <a:rPr lang="en-US" altLang="zh-TW" sz="2100" dirty="0" err="1"/>
-              <a:t>PhotoFileName</a:t>
-            </a:r>
-            <a:r>
-              <a:rPr lang="zh-TW" altLang="en-US" sz="2100" dirty="0"/>
-              <a:t> 等欄位</a:t>
-            </a:r>
-            <a:endParaRPr lang="en-US" altLang="zh-TW" sz="2100" dirty="0"/>
-          </a:p>
-          <a:p>
-            <a:r>
-              <a:rPr lang="zh-TW" altLang="en-US" sz="2500" dirty="0"/>
-              <a:t>設計相簿圖片壓縮上傳程式，圖片上傳後依序在兩個資料表新增資料</a:t>
-            </a:r>
-          </a:p>
-          <a:p>
-            <a:pPr lvl="1"/>
-            <a:r>
-              <a:rPr lang="zh-TW" altLang="en-US" sz="2100" dirty="0"/>
-              <a:t>每次上傳， </a:t>
-            </a:r>
-            <a:r>
-              <a:rPr lang="en-US" altLang="zh-TW" sz="2100" dirty="0"/>
-              <a:t>Subject Table</a:t>
-            </a:r>
-            <a:r>
-              <a:rPr lang="zh-TW" altLang="en-US" sz="2100" dirty="0"/>
-              <a:t>將新增一筆資料， </a:t>
-            </a:r>
-            <a:r>
-              <a:rPr lang="en-US" altLang="zh-TW" sz="2100" dirty="0" err="1"/>
-              <a:t>PhotoFile</a:t>
-            </a:r>
-            <a:r>
-              <a:rPr lang="en-US" altLang="zh-TW" sz="2100" dirty="0"/>
-              <a:t> Table</a:t>
-            </a:r>
-            <a:r>
-              <a:rPr lang="zh-TW" altLang="en-US" sz="2100" dirty="0"/>
-              <a:t>　會將每張相片檔寫入一筆紀錄</a:t>
-            </a:r>
-          </a:p>
-          <a:p>
-            <a:r>
-              <a:rPr lang="zh-TW" altLang="en-US" sz="2500" dirty="0"/>
-              <a:t>設計　</a:t>
-            </a:r>
-            <a:r>
-              <a:rPr lang="en-US" altLang="zh-TW" sz="2500" dirty="0"/>
-              <a:t>Master detail </a:t>
-            </a:r>
-            <a:r>
-              <a:rPr lang="zh-TW" altLang="en-US" sz="2500" dirty="0"/>
-              <a:t>資料檢視，由相簿主題列表選擇</a:t>
-            </a:r>
-            <a:r>
-              <a:rPr lang="zh-TW" altLang="en-US" sz="2600" dirty="0"/>
-              <a:t>一個主題，列出此主題包含的相片</a:t>
-            </a:r>
-            <a:endParaRPr kumimoji="0" lang="en-US" altLang="zh-TW" sz="2400" dirty="0"/>
-          </a:p>
-          <a:p>
-            <a:endParaRPr kumimoji="0" lang="zh-TW" altLang="en-US" sz="2400" dirty="0"/>
+              <a:rPr lang="zh-TW" altLang="en-US" dirty="0"/>
+              <a:t>某位</a:t>
+            </a:r>
+            <a:r>
+              <a:rPr lang="zh-TW" altLang="en-US" dirty="0" smtClean="0"/>
+              <a:t>同學修課列表</a:t>
+            </a:r>
+            <a:endParaRPr lang="en-US" altLang="zh-TW" dirty="0" smtClean="0"/>
+          </a:p>
+          <a:p>
+            <a:pPr lvl="2"/>
+            <a:r>
+              <a:rPr lang="zh-TW" altLang="en-US" dirty="0" smtClean="0"/>
+              <a:t>可由學號查同學修課清單</a:t>
+            </a:r>
+            <a:endParaRPr lang="en-US" altLang="zh-TW" dirty="0" smtClean="0"/>
           </a:p>
         </p:txBody>
       </p:sp>
     </p:spTree>
+    <p:extLst>
+      <p:ext uri="{BB962C8B-B14F-4D97-AF65-F5344CB8AC3E}">
+        <p14:creationId xmlns:p14="http://schemas.microsoft.com/office/powerpoint/2010/main" val="2583585302"/>
+      </p:ext>
+    </p:extLst>
   </p:cSld>
   <p:clrMapOvr>
     <a:masterClrMapping/>
   </p:clrMapOvr>
-  <p:timing>
-    <p:tnLst>
-      <p:par>
-        <p:cTn id="1" dur="indefinite" restart="never" nodeType="tmRoot"/>
-      </p:par>
-    </p:tnLst>
-  </p:timing>
 </p:sld>
 </file>
 
